--- a/php/phpMVC/物件概念.pptx
+++ b/php/phpMVC/物件概念.pptx
@@ -288,6 +288,7 @@
           <a:p>
             <a:fld id="{5BBEAD13-0566-4C6C-97E7-55F17F24B09F}" type="datetimeFigureOut">
               <a:rPr lang="zh-TW" altLang="en-US" smtClean="0"/>
+              <a:pPr/>
               <a:t>2016/6/28</a:t>
             </a:fld>
             <a:endParaRPr lang="zh-TW" altLang="en-US"/>
@@ -330,6 +331,7 @@
           <a:p>
             <a:fld id="{73DA0BB7-265A-403C-9275-D587AB510EDC}" type="slidenum">
               <a:rPr lang="zh-TW" altLang="en-US" smtClean="0"/>
+              <a:pPr/>
               <a:t>‹#›</a:t>
             </a:fld>
             <a:endParaRPr lang="zh-TW" altLang="en-US"/>
@@ -453,6 +455,7 @@
           <a:p>
             <a:fld id="{5BBEAD13-0566-4C6C-97E7-55F17F24B09F}" type="datetimeFigureOut">
               <a:rPr lang="zh-TW" altLang="en-US" smtClean="0"/>
+              <a:pPr/>
               <a:t>2016/6/28</a:t>
             </a:fld>
             <a:endParaRPr lang="zh-TW" altLang="en-US"/>
@@ -495,6 +498,7 @@
           <a:p>
             <a:fld id="{73DA0BB7-265A-403C-9275-D587AB510EDC}" type="slidenum">
               <a:rPr lang="zh-TW" altLang="en-US" smtClean="0"/>
+              <a:pPr/>
               <a:t>‹#›</a:t>
             </a:fld>
             <a:endParaRPr lang="zh-TW" altLang="en-US"/>
@@ -628,6 +632,7 @@
           <a:p>
             <a:fld id="{5BBEAD13-0566-4C6C-97E7-55F17F24B09F}" type="datetimeFigureOut">
               <a:rPr lang="zh-TW" altLang="en-US" smtClean="0"/>
+              <a:pPr/>
               <a:t>2016/6/28</a:t>
             </a:fld>
             <a:endParaRPr lang="zh-TW" altLang="en-US"/>
@@ -670,6 +675,7 @@
           <a:p>
             <a:fld id="{73DA0BB7-265A-403C-9275-D587AB510EDC}" type="slidenum">
               <a:rPr lang="zh-TW" altLang="en-US" smtClean="0"/>
+              <a:pPr/>
               <a:t>‹#›</a:t>
             </a:fld>
             <a:endParaRPr lang="zh-TW" altLang="en-US"/>
@@ -793,6 +799,7 @@
           <a:p>
             <a:fld id="{5BBEAD13-0566-4C6C-97E7-55F17F24B09F}" type="datetimeFigureOut">
               <a:rPr lang="zh-TW" altLang="en-US" smtClean="0"/>
+              <a:pPr/>
               <a:t>2016/6/28</a:t>
             </a:fld>
             <a:endParaRPr lang="zh-TW" altLang="en-US"/>
@@ -835,6 +842,7 @@
           <a:p>
             <a:fld id="{73DA0BB7-265A-403C-9275-D587AB510EDC}" type="slidenum">
               <a:rPr lang="zh-TW" altLang="en-US" smtClean="0"/>
+              <a:pPr/>
               <a:t>‹#›</a:t>
             </a:fld>
             <a:endParaRPr lang="zh-TW" altLang="en-US"/>
@@ -1034,6 +1042,7 @@
           <a:p>
             <a:fld id="{5BBEAD13-0566-4C6C-97E7-55F17F24B09F}" type="datetimeFigureOut">
               <a:rPr lang="zh-TW" altLang="en-US" smtClean="0"/>
+              <a:pPr/>
               <a:t>2016/6/28</a:t>
             </a:fld>
             <a:endParaRPr lang="zh-TW" altLang="en-US"/>
@@ -1076,6 +1085,7 @@
           <a:p>
             <a:fld id="{73DA0BB7-265A-403C-9275-D587AB510EDC}" type="slidenum">
               <a:rPr lang="zh-TW" altLang="en-US" smtClean="0"/>
+              <a:pPr/>
               <a:t>‹#›</a:t>
             </a:fld>
             <a:endParaRPr lang="zh-TW" altLang="en-US"/>
@@ -1317,6 +1327,7 @@
           <a:p>
             <a:fld id="{5BBEAD13-0566-4C6C-97E7-55F17F24B09F}" type="datetimeFigureOut">
               <a:rPr lang="zh-TW" altLang="en-US" smtClean="0"/>
+              <a:pPr/>
               <a:t>2016/6/28</a:t>
             </a:fld>
             <a:endParaRPr lang="zh-TW" altLang="en-US"/>
@@ -1359,6 +1370,7 @@
           <a:p>
             <a:fld id="{73DA0BB7-265A-403C-9275-D587AB510EDC}" type="slidenum">
               <a:rPr lang="zh-TW" altLang="en-US" smtClean="0"/>
+              <a:pPr/>
               <a:t>‹#›</a:t>
             </a:fld>
             <a:endParaRPr lang="zh-TW" altLang="en-US"/>
@@ -1734,6 +1746,7 @@
           <a:p>
             <a:fld id="{5BBEAD13-0566-4C6C-97E7-55F17F24B09F}" type="datetimeFigureOut">
               <a:rPr lang="zh-TW" altLang="en-US" smtClean="0"/>
+              <a:pPr/>
               <a:t>2016/6/28</a:t>
             </a:fld>
             <a:endParaRPr lang="zh-TW" altLang="en-US"/>
@@ -1776,6 +1789,7 @@
           <a:p>
             <a:fld id="{73DA0BB7-265A-403C-9275-D587AB510EDC}" type="slidenum">
               <a:rPr lang="zh-TW" altLang="en-US" smtClean="0"/>
+              <a:pPr/>
               <a:t>‹#›</a:t>
             </a:fld>
             <a:endParaRPr lang="zh-TW" altLang="en-US"/>
@@ -1847,6 +1861,7 @@
           <a:p>
             <a:fld id="{5BBEAD13-0566-4C6C-97E7-55F17F24B09F}" type="datetimeFigureOut">
               <a:rPr lang="zh-TW" altLang="en-US" smtClean="0"/>
+              <a:pPr/>
               <a:t>2016/6/28</a:t>
             </a:fld>
             <a:endParaRPr lang="zh-TW" altLang="en-US"/>
@@ -1889,6 +1904,7 @@
           <a:p>
             <a:fld id="{73DA0BB7-265A-403C-9275-D587AB510EDC}" type="slidenum">
               <a:rPr lang="zh-TW" altLang="en-US" smtClean="0"/>
+              <a:pPr/>
               <a:t>‹#›</a:t>
             </a:fld>
             <a:endParaRPr lang="zh-TW" altLang="en-US"/>
@@ -1937,6 +1953,7 @@
           <a:p>
             <a:fld id="{5BBEAD13-0566-4C6C-97E7-55F17F24B09F}" type="datetimeFigureOut">
               <a:rPr lang="zh-TW" altLang="en-US" smtClean="0"/>
+              <a:pPr/>
               <a:t>2016/6/28</a:t>
             </a:fld>
             <a:endParaRPr lang="zh-TW" altLang="en-US"/>
@@ -1979,6 +1996,7 @@
           <a:p>
             <a:fld id="{73DA0BB7-265A-403C-9275-D587AB510EDC}" type="slidenum">
               <a:rPr lang="zh-TW" altLang="en-US" smtClean="0"/>
+              <a:pPr/>
               <a:t>‹#›</a:t>
             </a:fld>
             <a:endParaRPr lang="zh-TW" altLang="en-US"/>
@@ -2209,6 +2227,7 @@
           <a:p>
             <a:fld id="{5BBEAD13-0566-4C6C-97E7-55F17F24B09F}" type="datetimeFigureOut">
               <a:rPr lang="zh-TW" altLang="en-US" smtClean="0"/>
+              <a:pPr/>
               <a:t>2016/6/28</a:t>
             </a:fld>
             <a:endParaRPr lang="zh-TW" altLang="en-US"/>
@@ -2251,6 +2270,7 @@
           <a:p>
             <a:fld id="{73DA0BB7-265A-403C-9275-D587AB510EDC}" type="slidenum">
               <a:rPr lang="zh-TW" altLang="en-US" smtClean="0"/>
+              <a:pPr/>
               <a:t>‹#›</a:t>
             </a:fld>
             <a:endParaRPr lang="zh-TW" altLang="en-US"/>
@@ -2457,6 +2477,7 @@
           <a:p>
             <a:fld id="{5BBEAD13-0566-4C6C-97E7-55F17F24B09F}" type="datetimeFigureOut">
               <a:rPr lang="zh-TW" altLang="en-US" smtClean="0"/>
+              <a:pPr/>
               <a:t>2016/6/28</a:t>
             </a:fld>
             <a:endParaRPr lang="zh-TW" altLang="en-US"/>
@@ -2499,6 +2520,7 @@
           <a:p>
             <a:fld id="{73DA0BB7-265A-403C-9275-D587AB510EDC}" type="slidenum">
               <a:rPr lang="zh-TW" altLang="en-US" smtClean="0"/>
+              <a:pPr/>
               <a:t>‹#›</a:t>
             </a:fld>
             <a:endParaRPr lang="zh-TW" altLang="en-US"/>
@@ -2665,6 +2687,7 @@
           <a:p>
             <a:fld id="{5BBEAD13-0566-4C6C-97E7-55F17F24B09F}" type="datetimeFigureOut">
               <a:rPr lang="zh-TW" altLang="en-US" smtClean="0"/>
+              <a:pPr/>
               <a:t>2016/6/28</a:t>
             </a:fld>
             <a:endParaRPr lang="zh-TW" altLang="en-US"/>
@@ -2743,6 +2766,7 @@
           <a:p>
             <a:fld id="{73DA0BB7-265A-403C-9275-D587AB510EDC}" type="slidenum">
               <a:rPr lang="zh-TW" altLang="en-US" smtClean="0"/>
+              <a:pPr/>
               <a:t>‹#›</a:t>
             </a:fld>
             <a:endParaRPr lang="zh-TW" altLang="en-US"/>
@@ -3339,7 +3363,6 @@
               <a:rPr lang="en-US" altLang="zh-TW" sz="1400" dirty="0" smtClean="0"/>
               <a:t>’);</a:t>
             </a:r>
-            <a:endParaRPr lang="en-US" altLang="zh-TW" sz="1400" dirty="0" smtClean="0"/>
           </a:p>
           <a:p>
             <a:endParaRPr lang="en-US" altLang="zh-TW" sz="1400" dirty="0"/>
@@ -4628,7 +4651,7 @@
     </p:spTree>
     <p:extLst>
       <p:ext uri="{BB962C8B-B14F-4D97-AF65-F5344CB8AC3E}">
-        <p14:creationId xmlns:p14="http://schemas.microsoft.com/office/powerpoint/2010/main" val="3418466864"/>
+        <p14:creationId xmlns:p14="http://schemas.microsoft.com/office/powerpoint/2010/main" xmlns="" val="3418466864"/>
       </p:ext>
     </p:extLst>
   </p:cSld>

--- a/php/phpMVC/物件概念.pptx
+++ b/php/phpMVC/物件概念.pptx
@@ -289,7 +289,7 @@
             <a:fld id="{5BBEAD13-0566-4C6C-97E7-55F17F24B09F}" type="datetimeFigureOut">
               <a:rPr lang="zh-TW" altLang="en-US" smtClean="0"/>
               <a:pPr/>
-              <a:t>2016/6/28</a:t>
+              <a:t>2016/6/29</a:t>
             </a:fld>
             <a:endParaRPr lang="zh-TW" altLang="en-US"/>
           </a:p>
@@ -456,7 +456,7 @@
             <a:fld id="{5BBEAD13-0566-4C6C-97E7-55F17F24B09F}" type="datetimeFigureOut">
               <a:rPr lang="zh-TW" altLang="en-US" smtClean="0"/>
               <a:pPr/>
-              <a:t>2016/6/28</a:t>
+              <a:t>2016/6/29</a:t>
             </a:fld>
             <a:endParaRPr lang="zh-TW" altLang="en-US"/>
           </a:p>
@@ -633,7 +633,7 @@
             <a:fld id="{5BBEAD13-0566-4C6C-97E7-55F17F24B09F}" type="datetimeFigureOut">
               <a:rPr lang="zh-TW" altLang="en-US" smtClean="0"/>
               <a:pPr/>
-              <a:t>2016/6/28</a:t>
+              <a:t>2016/6/29</a:t>
             </a:fld>
             <a:endParaRPr lang="zh-TW" altLang="en-US"/>
           </a:p>
@@ -800,7 +800,7 @@
             <a:fld id="{5BBEAD13-0566-4C6C-97E7-55F17F24B09F}" type="datetimeFigureOut">
               <a:rPr lang="zh-TW" altLang="en-US" smtClean="0"/>
               <a:pPr/>
-              <a:t>2016/6/28</a:t>
+              <a:t>2016/6/29</a:t>
             </a:fld>
             <a:endParaRPr lang="zh-TW" altLang="en-US"/>
           </a:p>
@@ -1043,7 +1043,7 @@
             <a:fld id="{5BBEAD13-0566-4C6C-97E7-55F17F24B09F}" type="datetimeFigureOut">
               <a:rPr lang="zh-TW" altLang="en-US" smtClean="0"/>
               <a:pPr/>
-              <a:t>2016/6/28</a:t>
+              <a:t>2016/6/29</a:t>
             </a:fld>
             <a:endParaRPr lang="zh-TW" altLang="en-US"/>
           </a:p>
@@ -1328,7 +1328,7 @@
             <a:fld id="{5BBEAD13-0566-4C6C-97E7-55F17F24B09F}" type="datetimeFigureOut">
               <a:rPr lang="zh-TW" altLang="en-US" smtClean="0"/>
               <a:pPr/>
-              <a:t>2016/6/28</a:t>
+              <a:t>2016/6/29</a:t>
             </a:fld>
             <a:endParaRPr lang="zh-TW" altLang="en-US"/>
           </a:p>
@@ -1747,7 +1747,7 @@
             <a:fld id="{5BBEAD13-0566-4C6C-97E7-55F17F24B09F}" type="datetimeFigureOut">
               <a:rPr lang="zh-TW" altLang="en-US" smtClean="0"/>
               <a:pPr/>
-              <a:t>2016/6/28</a:t>
+              <a:t>2016/6/29</a:t>
             </a:fld>
             <a:endParaRPr lang="zh-TW" altLang="en-US"/>
           </a:p>
@@ -1862,7 +1862,7 @@
             <a:fld id="{5BBEAD13-0566-4C6C-97E7-55F17F24B09F}" type="datetimeFigureOut">
               <a:rPr lang="zh-TW" altLang="en-US" smtClean="0"/>
               <a:pPr/>
-              <a:t>2016/6/28</a:t>
+              <a:t>2016/6/29</a:t>
             </a:fld>
             <a:endParaRPr lang="zh-TW" altLang="en-US"/>
           </a:p>
@@ -1954,7 +1954,7 @@
             <a:fld id="{5BBEAD13-0566-4C6C-97E7-55F17F24B09F}" type="datetimeFigureOut">
               <a:rPr lang="zh-TW" altLang="en-US" smtClean="0"/>
               <a:pPr/>
-              <a:t>2016/6/28</a:t>
+              <a:t>2016/6/29</a:t>
             </a:fld>
             <a:endParaRPr lang="zh-TW" altLang="en-US"/>
           </a:p>
@@ -2228,7 +2228,7 @@
             <a:fld id="{5BBEAD13-0566-4C6C-97E7-55F17F24B09F}" type="datetimeFigureOut">
               <a:rPr lang="zh-TW" altLang="en-US" smtClean="0"/>
               <a:pPr/>
-              <a:t>2016/6/28</a:t>
+              <a:t>2016/6/29</a:t>
             </a:fld>
             <a:endParaRPr lang="zh-TW" altLang="en-US"/>
           </a:p>
@@ -2478,7 +2478,7 @@
             <a:fld id="{5BBEAD13-0566-4C6C-97E7-55F17F24B09F}" type="datetimeFigureOut">
               <a:rPr lang="zh-TW" altLang="en-US" smtClean="0"/>
               <a:pPr/>
-              <a:t>2016/6/28</a:t>
+              <a:t>2016/6/29</a:t>
             </a:fld>
             <a:endParaRPr lang="zh-TW" altLang="en-US"/>
           </a:p>
@@ -2688,7 +2688,7 @@
             <a:fld id="{5BBEAD13-0566-4C6C-97E7-55F17F24B09F}" type="datetimeFigureOut">
               <a:rPr lang="zh-TW" altLang="en-US" smtClean="0"/>
               <a:pPr/>
-              <a:t>2016/6/28</a:t>
+              <a:t>2016/6/29</a:t>
             </a:fld>
             <a:endParaRPr lang="zh-TW" altLang="en-US"/>
           </a:p>
@@ -3137,7 +3137,7 @@
         </p:nvSpPr>
         <p:spPr>
           <a:xfrm>
-            <a:off x="0" y="9674"/>
+            <a:off x="0" y="116632"/>
             <a:ext cx="5076056" cy="5478423"/>
           </a:xfrm>
           <a:prstGeom prst="rect">
@@ -3405,7 +3405,551 @@
         </p:nvSpPr>
         <p:spPr>
           <a:xfrm>
-            <a:off x="5436096" y="1604308"/>
+            <a:off x="4860032" y="1604308"/>
+            <a:ext cx="3240360" cy="1320636"/>
+          </a:xfrm>
+          <a:prstGeom prst="ellipse">
+            <a:avLst/>
+          </a:prstGeom>
+          <a:noFill/>
+          <a:ln>
+            <a:solidFill>
+              <a:schemeClr val="accent2">
+                <a:lumMod val="60000"/>
+                <a:lumOff val="40000"/>
+              </a:schemeClr>
+            </a:solidFill>
+          </a:ln>
+        </p:spPr>
+        <p:style>
+          <a:lnRef idx="2">
+            <a:schemeClr val="accent1">
+              <a:shade val="50000"/>
+            </a:schemeClr>
+          </a:lnRef>
+          <a:fillRef idx="1">
+            <a:schemeClr val="accent1"/>
+          </a:fillRef>
+          <a:effectRef idx="0">
+            <a:schemeClr val="accent1"/>
+          </a:effectRef>
+          <a:fontRef idx="minor">
+            <a:schemeClr val="lt1"/>
+          </a:fontRef>
+        </p:style>
+        <p:txBody>
+          <a:bodyPr rtlCol="0" anchor="ctr"/>
+          <a:lstStyle/>
+          <a:p>
+            <a:pPr algn="ctr"/>
+            <a:endParaRPr lang="zh-TW" altLang="en-US"/>
+          </a:p>
+        </p:txBody>
+      </p:sp>
+      <p:sp>
+        <p:nvSpPr>
+          <p:cNvPr id="7" name="文字方塊 6"/>
+          <p:cNvSpPr txBox="1"/>
+          <p:nvPr/>
+        </p:nvSpPr>
+        <p:spPr>
+          <a:xfrm>
+            <a:off x="5192334" y="908720"/>
+            <a:ext cx="2908058" cy="523220"/>
+          </a:xfrm>
+          <a:prstGeom prst="rect">
+            <a:avLst/>
+          </a:prstGeom>
+          <a:noFill/>
+        </p:spPr>
+        <p:txBody>
+          <a:bodyPr wrap="square" rtlCol="0">
+            <a:spAutoFit/>
+          </a:bodyPr>
+          <a:lstStyle/>
+          <a:p>
+            <a:r>
+              <a:rPr lang="en-US" altLang="zh-TW" sz="1400" dirty="0" smtClean="0"/>
+              <a:t>Dog</a:t>
+            </a:r>
+            <a:r>
+              <a:rPr lang="zh-TW" altLang="en-US" sz="1400" dirty="0" smtClean="0"/>
+              <a:t>類別</a:t>
+            </a:r>
+            <a:r>
+              <a:rPr lang="en-US" altLang="zh-TW" sz="1400" dirty="0" smtClean="0"/>
+              <a:t> </a:t>
+            </a:r>
+            <a:r>
+              <a:rPr lang="zh-TW" altLang="en-US" sz="1400" dirty="0" smtClean="0"/>
+              <a:t>實體物件</a:t>
+            </a:r>
+            <a:endParaRPr lang="en-US" altLang="zh-TW" sz="1400" dirty="0" smtClean="0"/>
+          </a:p>
+          <a:p>
+            <a:r>
+              <a:rPr lang="zh-TW" altLang="en-US" sz="1400" dirty="0" smtClean="0"/>
+              <a:t>記憶體位置</a:t>
+            </a:r>
+            <a:r>
+              <a:rPr lang="en-US" altLang="zh-TW" sz="1400" dirty="0" smtClean="0"/>
+              <a:t>: AA33FF~AAFFFF</a:t>
+            </a:r>
+            <a:endParaRPr lang="zh-TW" altLang="en-US" sz="1400" dirty="0"/>
+          </a:p>
+        </p:txBody>
+      </p:sp>
+      <p:sp>
+        <p:nvSpPr>
+          <p:cNvPr id="8" name="文字方塊 7"/>
+          <p:cNvSpPr txBox="1"/>
+          <p:nvPr/>
+        </p:nvSpPr>
+        <p:spPr>
+          <a:xfrm>
+            <a:off x="5076056" y="1844824"/>
+            <a:ext cx="3744417" cy="830997"/>
+          </a:xfrm>
+          <a:prstGeom prst="rect">
+            <a:avLst/>
+          </a:prstGeom>
+          <a:noFill/>
+        </p:spPr>
+        <p:txBody>
+          <a:bodyPr wrap="square" rtlCol="0">
+            <a:spAutoFit/>
+          </a:bodyPr>
+          <a:lstStyle/>
+          <a:p>
+            <a:r>
+              <a:rPr lang="en-US" altLang="zh-TW" sz="1200" dirty="0" smtClean="0"/>
+              <a:t>$name / </a:t>
+            </a:r>
+            <a:r>
+              <a:rPr lang="zh-TW" altLang="en-US" sz="1200" dirty="0" smtClean="0"/>
+              <a:t>位置 </a:t>
+            </a:r>
+            <a:r>
+              <a:rPr lang="en-US" altLang="zh-TW" sz="1200" dirty="0" smtClean="0"/>
+              <a:t>AA33FF… / </a:t>
+            </a:r>
+            <a:r>
+              <a:rPr lang="zh-TW" altLang="en-US" sz="1200" dirty="0" smtClean="0"/>
+              <a:t>值 </a:t>
+            </a:r>
+            <a:r>
+              <a:rPr lang="en-US" altLang="zh-TW" sz="1200" dirty="0" smtClean="0"/>
+              <a:t>‘</a:t>
+            </a:r>
+            <a:r>
+              <a:rPr lang="en-US" altLang="zh-TW" sz="1200" dirty="0" err="1" smtClean="0"/>
+              <a:t>littleBlack</a:t>
+            </a:r>
+            <a:r>
+              <a:rPr lang="en-US" altLang="zh-TW" sz="1200" dirty="0" smtClean="0"/>
+              <a:t>’</a:t>
+            </a:r>
+          </a:p>
+          <a:p>
+            <a:r>
+              <a:rPr lang="en-US" altLang="zh-TW" sz="1200" dirty="0" smtClean="0"/>
+              <a:t>$position / </a:t>
+            </a:r>
+            <a:r>
+              <a:rPr lang="zh-TW" altLang="en-US" sz="1200" dirty="0" smtClean="0"/>
+              <a:t>位置 </a:t>
+            </a:r>
+            <a:r>
+              <a:rPr lang="en-US" altLang="zh-TW" sz="1200" dirty="0" smtClean="0"/>
+              <a:t>AA3D12… / </a:t>
+            </a:r>
+            <a:r>
+              <a:rPr lang="zh-TW" altLang="en-US" sz="1200" dirty="0" smtClean="0"/>
+              <a:t>值</a:t>
+            </a:r>
+            <a:endParaRPr lang="en-US" altLang="zh-TW" sz="1200" dirty="0" smtClean="0"/>
+          </a:p>
+          <a:p>
+            <a:r>
+              <a:rPr lang="en-US" altLang="zh-TW" sz="1200" dirty="0" err="1" smtClean="0"/>
+              <a:t>moveTo</a:t>
+            </a:r>
+            <a:r>
+              <a:rPr lang="en-US" altLang="zh-TW" sz="1200" dirty="0" smtClean="0"/>
+              <a:t> / </a:t>
+            </a:r>
+            <a:r>
+              <a:rPr lang="zh-TW" altLang="en-US" sz="1200" dirty="0" smtClean="0"/>
+              <a:t>位置 </a:t>
+            </a:r>
+            <a:r>
+              <a:rPr lang="en-US" altLang="zh-TW" sz="1200" dirty="0" smtClean="0"/>
+              <a:t>AA3FFF… / </a:t>
+            </a:r>
+            <a:r>
+              <a:rPr lang="zh-TW" altLang="en-US" sz="1200" dirty="0" smtClean="0"/>
+              <a:t>值</a:t>
+            </a:r>
+            <a:endParaRPr lang="en-US" altLang="zh-TW" sz="1200" dirty="0" smtClean="0"/>
+          </a:p>
+          <a:p>
+            <a:r>
+              <a:rPr lang="en-US" altLang="zh-TW" sz="1200" dirty="0" smtClean="0"/>
+              <a:t>{      </a:t>
+            </a:r>
+            <a:r>
+              <a:rPr lang="en-US" altLang="zh-TW" sz="1200" dirty="0" smtClean="0"/>
+              <a:t>          </a:t>
+            </a:r>
+            <a:r>
+              <a:rPr lang="en-US" altLang="zh-TW" sz="1200" dirty="0" smtClean="0"/>
+              <a:t>}</a:t>
+            </a:r>
+            <a:endParaRPr lang="zh-TW" altLang="en-US" sz="1200" dirty="0"/>
+          </a:p>
+        </p:txBody>
+      </p:sp>
+      <p:sp>
+        <p:nvSpPr>
+          <p:cNvPr id="12" name="文字方塊 11"/>
+          <p:cNvSpPr txBox="1"/>
+          <p:nvPr/>
+        </p:nvSpPr>
+        <p:spPr>
+          <a:xfrm>
+            <a:off x="3275856" y="2132856"/>
+            <a:ext cx="1440160" cy="738664"/>
+          </a:xfrm>
+          <a:prstGeom prst="rect">
+            <a:avLst/>
+          </a:prstGeom>
+          <a:noFill/>
+        </p:spPr>
+        <p:txBody>
+          <a:bodyPr wrap="square" rtlCol="0">
+            <a:spAutoFit/>
+          </a:bodyPr>
+          <a:lstStyle/>
+          <a:p>
+            <a:r>
+              <a:rPr lang="zh-TW" altLang="en-US" sz="1400" dirty="0" smtClean="0"/>
+              <a:t>變數 </a:t>
+            </a:r>
+            <a:r>
+              <a:rPr lang="en-US" altLang="zh-TW" sz="1400" dirty="0" smtClean="0"/>
+              <a:t>$</a:t>
+            </a:r>
+            <a:r>
+              <a:rPr lang="en-US" altLang="zh-TW" sz="1400" dirty="0" err="1" smtClean="0"/>
+              <a:t>littleBlack</a:t>
+            </a:r>
+            <a:endParaRPr lang="en-US" altLang="zh-TW" sz="1400" dirty="0" smtClean="0"/>
+          </a:p>
+          <a:p>
+            <a:r>
+              <a:rPr lang="zh-TW" altLang="en-US" sz="1400" dirty="0" smtClean="0"/>
+              <a:t>記憶體位置</a:t>
+            </a:r>
+            <a:r>
+              <a:rPr lang="en-US" altLang="zh-TW" sz="1400" dirty="0" smtClean="0"/>
+              <a:t>: CC6677~CC6670</a:t>
+            </a:r>
+            <a:endParaRPr lang="zh-TW" altLang="en-US" sz="1400" dirty="0"/>
+          </a:p>
+        </p:txBody>
+      </p:sp>
+      <p:sp>
+        <p:nvSpPr>
+          <p:cNvPr id="14" name="文字方塊 13"/>
+          <p:cNvSpPr txBox="1"/>
+          <p:nvPr/>
+        </p:nvSpPr>
+        <p:spPr>
+          <a:xfrm>
+            <a:off x="6307140" y="3140968"/>
+            <a:ext cx="2908058" cy="523220"/>
+          </a:xfrm>
+          <a:prstGeom prst="rect">
+            <a:avLst/>
+          </a:prstGeom>
+          <a:noFill/>
+        </p:spPr>
+        <p:txBody>
+          <a:bodyPr wrap="square" rtlCol="0">
+            <a:spAutoFit/>
+          </a:bodyPr>
+          <a:lstStyle/>
+          <a:p>
+            <a:r>
+              <a:rPr lang="en-US" altLang="zh-TW" sz="1400" dirty="0" smtClean="0"/>
+              <a:t>Dog</a:t>
+            </a:r>
+            <a:r>
+              <a:rPr lang="zh-TW" altLang="en-US" sz="1400" dirty="0" smtClean="0"/>
+              <a:t>類別</a:t>
+            </a:r>
+            <a:r>
+              <a:rPr lang="en-US" altLang="zh-TW" sz="1400" dirty="0" smtClean="0"/>
+              <a:t> </a:t>
+            </a:r>
+            <a:r>
+              <a:rPr lang="zh-TW" altLang="en-US" sz="1400" dirty="0" smtClean="0"/>
+              <a:t>實體物件</a:t>
+            </a:r>
+            <a:endParaRPr lang="en-US" altLang="zh-TW" sz="1400" dirty="0" smtClean="0"/>
+          </a:p>
+          <a:p>
+            <a:r>
+              <a:rPr lang="zh-TW" altLang="en-US" sz="1400" dirty="0" smtClean="0"/>
+              <a:t>記憶體位置</a:t>
+            </a:r>
+            <a:r>
+              <a:rPr lang="en-US" altLang="zh-TW" sz="1400" dirty="0" smtClean="0"/>
+              <a:t>: CF33FF~CFABFF</a:t>
+            </a:r>
+            <a:endParaRPr lang="zh-TW" altLang="en-US" sz="1400" dirty="0"/>
+          </a:p>
+        </p:txBody>
+      </p:sp>
+      <p:sp>
+        <p:nvSpPr>
+          <p:cNvPr id="16" name="文字方塊 15"/>
+          <p:cNvSpPr txBox="1"/>
+          <p:nvPr/>
+        </p:nvSpPr>
+        <p:spPr>
+          <a:xfrm>
+            <a:off x="3275856" y="3501008"/>
+            <a:ext cx="2198100" cy="738664"/>
+          </a:xfrm>
+          <a:prstGeom prst="rect">
+            <a:avLst/>
+          </a:prstGeom>
+          <a:noFill/>
+        </p:spPr>
+        <p:txBody>
+          <a:bodyPr wrap="square" rtlCol="0">
+            <a:spAutoFit/>
+          </a:bodyPr>
+          <a:lstStyle/>
+          <a:p>
+            <a:r>
+              <a:rPr lang="zh-TW" altLang="en-US" sz="1400" dirty="0" smtClean="0"/>
+              <a:t>變數 </a:t>
+            </a:r>
+            <a:r>
+              <a:rPr lang="en-US" altLang="zh-TW" sz="1400" dirty="0" smtClean="0"/>
+              <a:t>$</a:t>
+            </a:r>
+            <a:r>
+              <a:rPr lang="en-US" altLang="zh-TW" sz="1400" dirty="0" err="1" smtClean="0"/>
+              <a:t>cloneLittleBlack</a:t>
+            </a:r>
+            <a:endParaRPr lang="en-US" altLang="zh-TW" sz="1400" dirty="0" smtClean="0"/>
+          </a:p>
+          <a:p>
+            <a:r>
+              <a:rPr lang="zh-TW" altLang="en-US" sz="1400" dirty="0" smtClean="0"/>
+              <a:t>記憶體位置</a:t>
+            </a:r>
+            <a:r>
+              <a:rPr lang="en-US" altLang="zh-TW" sz="1400" dirty="0" smtClean="0"/>
+              <a:t>: CCDDFF~CCDEF3</a:t>
+            </a:r>
+            <a:endParaRPr lang="zh-TW" altLang="en-US" sz="1400" dirty="0"/>
+          </a:p>
+        </p:txBody>
+      </p:sp>
+      <p:sp>
+        <p:nvSpPr>
+          <p:cNvPr id="18" name="文字方塊 17"/>
+          <p:cNvSpPr txBox="1"/>
+          <p:nvPr/>
+        </p:nvSpPr>
+        <p:spPr>
+          <a:xfrm>
+            <a:off x="4572000" y="4653136"/>
+            <a:ext cx="1440160" cy="738664"/>
+          </a:xfrm>
+          <a:prstGeom prst="rect">
+            <a:avLst/>
+          </a:prstGeom>
+          <a:noFill/>
+        </p:spPr>
+        <p:txBody>
+          <a:bodyPr wrap="square" rtlCol="0">
+            <a:spAutoFit/>
+          </a:bodyPr>
+          <a:lstStyle/>
+          <a:p>
+            <a:r>
+              <a:rPr lang="zh-TW" altLang="en-US" sz="1400" dirty="0" smtClean="0"/>
+              <a:t>變數 </a:t>
+            </a:r>
+            <a:r>
+              <a:rPr lang="en-US" altLang="zh-TW" sz="1400" dirty="0" smtClean="0"/>
+              <a:t>$</a:t>
+            </a:r>
+            <a:r>
+              <a:rPr lang="en-US" altLang="zh-TW" sz="1400" dirty="0" err="1" smtClean="0"/>
+              <a:t>littleRed</a:t>
+            </a:r>
+            <a:endParaRPr lang="en-US" altLang="zh-TW" sz="1400" dirty="0" smtClean="0"/>
+          </a:p>
+          <a:p>
+            <a:r>
+              <a:rPr lang="zh-TW" altLang="en-US" sz="1400" dirty="0" smtClean="0"/>
+              <a:t>記憶體位置</a:t>
+            </a:r>
+            <a:r>
+              <a:rPr lang="en-US" altLang="zh-TW" sz="1400" dirty="0" smtClean="0"/>
+              <a:t>: CCDDFF~CCDEF3</a:t>
+            </a:r>
+            <a:endParaRPr lang="zh-TW" altLang="en-US" sz="1400" dirty="0"/>
+          </a:p>
+        </p:txBody>
+      </p:sp>
+      <p:sp>
+        <p:nvSpPr>
+          <p:cNvPr id="20" name="文字方塊 19"/>
+          <p:cNvSpPr txBox="1"/>
+          <p:nvPr/>
+        </p:nvSpPr>
+        <p:spPr>
+          <a:xfrm>
+            <a:off x="6188832" y="1604308"/>
+            <a:ext cx="730002" cy="307777"/>
+          </a:xfrm>
+          <a:prstGeom prst="rect">
+            <a:avLst/>
+          </a:prstGeom>
+          <a:noFill/>
+        </p:spPr>
+        <p:txBody>
+          <a:bodyPr wrap="square" rtlCol="0">
+            <a:spAutoFit/>
+          </a:bodyPr>
+          <a:lstStyle/>
+          <a:p>
+            <a:r>
+              <a:rPr lang="zh-TW" altLang="en-US" sz="1400" dirty="0" smtClean="0">
+                <a:solidFill>
+                  <a:schemeClr val="accent3">
+                    <a:lumMod val="60000"/>
+                    <a:lumOff val="40000"/>
+                  </a:schemeClr>
+                </a:solidFill>
+              </a:rPr>
+              <a:t>內部</a:t>
+            </a:r>
+            <a:endParaRPr lang="zh-TW" altLang="en-US" sz="1400" dirty="0">
+              <a:solidFill>
+                <a:schemeClr val="accent3">
+                  <a:lumMod val="60000"/>
+                  <a:lumOff val="40000"/>
+                </a:schemeClr>
+              </a:solidFill>
+            </a:endParaRPr>
+          </a:p>
+        </p:txBody>
+      </p:sp>
+      <p:sp>
+        <p:nvSpPr>
+          <p:cNvPr id="21" name="文字方塊 20"/>
+          <p:cNvSpPr txBox="1"/>
+          <p:nvPr/>
+        </p:nvSpPr>
+        <p:spPr>
+          <a:xfrm>
+            <a:off x="5642198" y="3356992"/>
+            <a:ext cx="730002" cy="307777"/>
+          </a:xfrm>
+          <a:prstGeom prst="rect">
+            <a:avLst/>
+          </a:prstGeom>
+          <a:noFill/>
+        </p:spPr>
+        <p:txBody>
+          <a:bodyPr wrap="square" rtlCol="0">
+            <a:spAutoFit/>
+          </a:bodyPr>
+          <a:lstStyle/>
+          <a:p>
+            <a:r>
+              <a:rPr lang="zh-TW" altLang="en-US" sz="1400" dirty="0" smtClean="0">
+                <a:solidFill>
+                  <a:schemeClr val="accent3">
+                    <a:lumMod val="60000"/>
+                    <a:lumOff val="40000"/>
+                  </a:schemeClr>
+                </a:solidFill>
+              </a:rPr>
+              <a:t>外部</a:t>
+            </a:r>
+            <a:endParaRPr lang="zh-TW" altLang="en-US" sz="1400" dirty="0">
+              <a:solidFill>
+                <a:schemeClr val="accent3">
+                  <a:lumMod val="60000"/>
+                  <a:lumOff val="40000"/>
+                </a:schemeClr>
+              </a:solidFill>
+            </a:endParaRPr>
+          </a:p>
+        </p:txBody>
+      </p:sp>
+      <p:sp>
+        <p:nvSpPr>
+          <p:cNvPr id="22" name="文字方塊 21"/>
+          <p:cNvSpPr txBox="1"/>
+          <p:nvPr/>
+        </p:nvSpPr>
+        <p:spPr>
+          <a:xfrm>
+            <a:off x="5148302" y="2410728"/>
+            <a:ext cx="730002" cy="246221"/>
+          </a:xfrm>
+          <a:prstGeom prst="rect">
+            <a:avLst/>
+          </a:prstGeom>
+          <a:noFill/>
+        </p:spPr>
+        <p:txBody>
+          <a:bodyPr wrap="square" rtlCol="0">
+            <a:spAutoFit/>
+          </a:bodyPr>
+          <a:lstStyle/>
+          <a:p>
+            <a:r>
+              <a:rPr lang="zh-TW" altLang="en-US" sz="1000" dirty="0" smtClean="0">
+                <a:solidFill>
+                  <a:schemeClr val="accent3">
+                    <a:lumMod val="60000"/>
+                    <a:lumOff val="40000"/>
+                  </a:schemeClr>
+                </a:solidFill>
+              </a:rPr>
+              <a:t>內部區域</a:t>
+            </a:r>
+            <a:endParaRPr lang="zh-TW" altLang="en-US" sz="1000" dirty="0">
+              <a:solidFill>
+                <a:schemeClr val="accent3">
+                  <a:lumMod val="60000"/>
+                  <a:lumOff val="40000"/>
+                </a:schemeClr>
+              </a:solidFill>
+            </a:endParaRPr>
+          </a:p>
+        </p:txBody>
+      </p:sp>
+      <p:sp>
+        <p:nvSpPr>
+          <p:cNvPr id="30" name="橢圓 29"/>
+          <p:cNvSpPr/>
+          <p:nvPr/>
+        </p:nvSpPr>
+        <p:spPr>
+          <a:xfrm>
+            <a:off x="6300192" y="3861048"/>
             <a:ext cx="2160241" cy="1224136"/>
           </a:xfrm>
           <a:prstGeom prst="ellipse">
@@ -3448,14 +3992,14 @@
       </p:sp>
       <p:sp>
         <p:nvSpPr>
-          <p:cNvPr id="7" name="文字方塊 6"/>
+          <p:cNvPr id="31" name="文字方塊 30"/>
           <p:cNvSpPr txBox="1"/>
           <p:nvPr/>
         </p:nvSpPr>
         <p:spPr>
           <a:xfrm>
-            <a:off x="5192334" y="908720"/>
-            <a:ext cx="2908058" cy="523220"/>
+            <a:off x="6732239" y="4058488"/>
+            <a:ext cx="2554967" cy="830997"/>
           </a:xfrm>
           <a:prstGeom prst="rect">
             <a:avLst/>
@@ -3469,347 +4013,48 @@
           <a:lstStyle/>
           <a:p>
             <a:r>
-              <a:rPr lang="en-US" altLang="zh-TW" sz="1400" dirty="0" smtClean="0"/>
-              <a:t>Dog</a:t>
-            </a:r>
-            <a:r>
-              <a:rPr lang="zh-TW" altLang="en-US" sz="1400" dirty="0" smtClean="0"/>
-              <a:t>類別</a:t>
-            </a:r>
-            <a:r>
-              <a:rPr lang="en-US" altLang="zh-TW" sz="1400" dirty="0" smtClean="0"/>
-              <a:t> </a:t>
-            </a:r>
-            <a:r>
-              <a:rPr lang="zh-TW" altLang="en-US" sz="1400" dirty="0" smtClean="0"/>
-              <a:t>實體物件</a:t>
-            </a:r>
-            <a:endParaRPr lang="en-US" altLang="zh-TW" sz="1400" dirty="0" smtClean="0"/>
-          </a:p>
-          <a:p>
-            <a:r>
-              <a:rPr lang="zh-TW" altLang="en-US" sz="1400" dirty="0" smtClean="0"/>
-              <a:t>記憶體位置</a:t>
-            </a:r>
-            <a:r>
-              <a:rPr lang="en-US" altLang="zh-TW" sz="1400" dirty="0" smtClean="0"/>
-              <a:t>: AA33FF~AAFFFF</a:t>
-            </a:r>
-            <a:endParaRPr lang="zh-TW" altLang="en-US" sz="1400" dirty="0"/>
-          </a:p>
-        </p:txBody>
-      </p:sp>
-      <p:sp>
-        <p:nvSpPr>
-          <p:cNvPr id="8" name="文字方塊 7"/>
+              <a:rPr lang="en-US" altLang="zh-TW" sz="1200" dirty="0" smtClean="0"/>
+              <a:t>$name / CF33FF…</a:t>
+            </a:r>
+          </a:p>
+          <a:p>
+            <a:r>
+              <a:rPr lang="en-US" altLang="zh-TW" sz="1200" dirty="0" smtClean="0"/>
+              <a:t>$position / CFD3FF…</a:t>
+            </a:r>
+          </a:p>
+          <a:p>
+            <a:r>
+              <a:rPr lang="en-US" altLang="zh-TW" sz="1200" dirty="0" err="1" smtClean="0"/>
+              <a:t>moveTo</a:t>
+            </a:r>
+            <a:r>
+              <a:rPr lang="en-US" altLang="zh-TW" sz="1200" dirty="0" smtClean="0"/>
+              <a:t> / CFE3FF…</a:t>
+            </a:r>
+          </a:p>
+          <a:p>
+            <a:r>
+              <a:rPr lang="en-US" altLang="zh-TW" sz="1200" dirty="0" smtClean="0"/>
+              <a:t>{              </a:t>
+            </a:r>
+            <a:r>
+              <a:rPr lang="en-US" altLang="zh-TW" sz="1200" dirty="0" smtClean="0"/>
+              <a:t>  }</a:t>
+            </a:r>
+            <a:endParaRPr lang="zh-TW" altLang="en-US" sz="1200" dirty="0"/>
+          </a:p>
+        </p:txBody>
+      </p:sp>
+      <p:sp>
+        <p:nvSpPr>
+          <p:cNvPr id="32" name="文字方塊 31"/>
           <p:cNvSpPr txBox="1"/>
           <p:nvPr/>
         </p:nvSpPr>
         <p:spPr>
           <a:xfrm>
-            <a:off x="5868143" y="1801748"/>
-            <a:ext cx="3744417" cy="954107"/>
-          </a:xfrm>
-          <a:prstGeom prst="rect">
-            <a:avLst/>
-          </a:prstGeom>
-          <a:noFill/>
-        </p:spPr>
-        <p:txBody>
-          <a:bodyPr wrap="square" rtlCol="0">
-            <a:spAutoFit/>
-          </a:bodyPr>
-          <a:lstStyle/>
-          <a:p>
-            <a:r>
-              <a:rPr lang="en-US" altLang="zh-TW" sz="1400" dirty="0" smtClean="0"/>
-              <a:t>$name / </a:t>
-            </a:r>
-            <a:r>
-              <a:rPr lang="zh-TW" altLang="en-US" sz="1400" dirty="0" smtClean="0"/>
-              <a:t>位置 </a:t>
-            </a:r>
-            <a:r>
-              <a:rPr lang="en-US" altLang="zh-TW" sz="1400" dirty="0" smtClean="0"/>
-              <a:t>AA33FF… / </a:t>
-            </a:r>
-            <a:r>
-              <a:rPr lang="zh-TW" altLang="en-US" sz="1400" dirty="0" smtClean="0"/>
-              <a:t>值 </a:t>
-            </a:r>
-            <a:r>
-              <a:rPr lang="en-US" altLang="zh-TW" sz="1400" dirty="0" smtClean="0"/>
-              <a:t>‘</a:t>
-            </a:r>
-            <a:r>
-              <a:rPr lang="en-US" altLang="zh-TW" sz="1400" dirty="0" err="1" smtClean="0"/>
-              <a:t>littleBlack</a:t>
-            </a:r>
-            <a:r>
-              <a:rPr lang="en-US" altLang="zh-TW" sz="1400" dirty="0" smtClean="0"/>
-              <a:t>’</a:t>
-            </a:r>
-          </a:p>
-          <a:p>
-            <a:r>
-              <a:rPr lang="en-US" altLang="zh-TW" sz="1400" dirty="0" smtClean="0"/>
-              <a:t>$position / </a:t>
-            </a:r>
-            <a:r>
-              <a:rPr lang="zh-TW" altLang="en-US" sz="1400" dirty="0" smtClean="0"/>
-              <a:t>位置 </a:t>
-            </a:r>
-            <a:r>
-              <a:rPr lang="en-US" altLang="zh-TW" sz="1400" dirty="0" smtClean="0"/>
-              <a:t>AA3D12… / </a:t>
-            </a:r>
-            <a:r>
-              <a:rPr lang="zh-TW" altLang="en-US" sz="1400" dirty="0" smtClean="0"/>
-              <a:t>值</a:t>
-            </a:r>
-            <a:endParaRPr lang="en-US" altLang="zh-TW" sz="1400" dirty="0" smtClean="0"/>
-          </a:p>
-          <a:p>
-            <a:r>
-              <a:rPr lang="en-US" altLang="zh-TW" sz="1400" dirty="0" err="1" smtClean="0"/>
-              <a:t>moveTo</a:t>
-            </a:r>
-            <a:r>
-              <a:rPr lang="en-US" altLang="zh-TW" sz="1400" dirty="0" smtClean="0"/>
-              <a:t> / </a:t>
-            </a:r>
-            <a:r>
-              <a:rPr lang="zh-TW" altLang="en-US" sz="1400" dirty="0" smtClean="0"/>
-              <a:t>位置 </a:t>
-            </a:r>
-            <a:r>
-              <a:rPr lang="en-US" altLang="zh-TW" sz="1400" dirty="0" smtClean="0"/>
-              <a:t>AA3FFF… / </a:t>
-            </a:r>
-            <a:r>
-              <a:rPr lang="zh-TW" altLang="en-US" sz="1400" dirty="0" smtClean="0"/>
-              <a:t>值</a:t>
-            </a:r>
-            <a:endParaRPr lang="en-US" altLang="zh-TW" sz="1400" dirty="0" smtClean="0"/>
-          </a:p>
-          <a:p>
-            <a:r>
-              <a:rPr lang="en-US" altLang="zh-TW" sz="1400" dirty="0" smtClean="0"/>
-              <a:t>{              }</a:t>
-            </a:r>
-            <a:endParaRPr lang="zh-TW" altLang="en-US" sz="1400" dirty="0"/>
-          </a:p>
-        </p:txBody>
-      </p:sp>
-      <p:sp>
-        <p:nvSpPr>
-          <p:cNvPr id="12" name="文字方塊 11"/>
-          <p:cNvSpPr txBox="1"/>
-          <p:nvPr/>
-        </p:nvSpPr>
-        <p:spPr>
-          <a:xfrm>
-            <a:off x="3275856" y="2132856"/>
-            <a:ext cx="1440160" cy="738664"/>
-          </a:xfrm>
-          <a:prstGeom prst="rect">
-            <a:avLst/>
-          </a:prstGeom>
-          <a:noFill/>
-        </p:spPr>
-        <p:txBody>
-          <a:bodyPr wrap="square" rtlCol="0">
-            <a:spAutoFit/>
-          </a:bodyPr>
-          <a:lstStyle/>
-          <a:p>
-            <a:r>
-              <a:rPr lang="zh-TW" altLang="en-US" sz="1400" dirty="0" smtClean="0"/>
-              <a:t>變數 </a:t>
-            </a:r>
-            <a:r>
-              <a:rPr lang="en-US" altLang="zh-TW" sz="1400" dirty="0" smtClean="0"/>
-              <a:t>$</a:t>
-            </a:r>
-            <a:r>
-              <a:rPr lang="en-US" altLang="zh-TW" sz="1400" dirty="0" err="1" smtClean="0"/>
-              <a:t>littleBlack</a:t>
-            </a:r>
-            <a:endParaRPr lang="en-US" altLang="zh-TW" sz="1400" dirty="0" smtClean="0"/>
-          </a:p>
-          <a:p>
-            <a:r>
-              <a:rPr lang="zh-TW" altLang="en-US" sz="1400" dirty="0" smtClean="0"/>
-              <a:t>記憶體位置</a:t>
-            </a:r>
-            <a:r>
-              <a:rPr lang="en-US" altLang="zh-TW" sz="1400" dirty="0" smtClean="0"/>
-              <a:t>: CC6677~CC6670</a:t>
-            </a:r>
-            <a:endParaRPr lang="zh-TW" altLang="en-US" sz="1400" dirty="0"/>
-          </a:p>
-        </p:txBody>
-      </p:sp>
-      <p:sp>
-        <p:nvSpPr>
-          <p:cNvPr id="14" name="文字方塊 13"/>
-          <p:cNvSpPr txBox="1"/>
-          <p:nvPr/>
-        </p:nvSpPr>
-        <p:spPr>
-          <a:xfrm>
-            <a:off x="6488478" y="2924944"/>
-            <a:ext cx="2908058" cy="523220"/>
-          </a:xfrm>
-          <a:prstGeom prst="rect">
-            <a:avLst/>
-          </a:prstGeom>
-          <a:noFill/>
-        </p:spPr>
-        <p:txBody>
-          <a:bodyPr wrap="square" rtlCol="0">
-            <a:spAutoFit/>
-          </a:bodyPr>
-          <a:lstStyle/>
-          <a:p>
-            <a:r>
-              <a:rPr lang="en-US" altLang="zh-TW" sz="1400" dirty="0" smtClean="0"/>
-              <a:t>Dog</a:t>
-            </a:r>
-            <a:r>
-              <a:rPr lang="zh-TW" altLang="en-US" sz="1400" dirty="0" smtClean="0"/>
-              <a:t>類別</a:t>
-            </a:r>
-            <a:r>
-              <a:rPr lang="en-US" altLang="zh-TW" sz="1400" dirty="0" smtClean="0"/>
-              <a:t> </a:t>
-            </a:r>
-            <a:r>
-              <a:rPr lang="zh-TW" altLang="en-US" sz="1400" dirty="0" smtClean="0"/>
-              <a:t>實體物件</a:t>
-            </a:r>
-            <a:endParaRPr lang="en-US" altLang="zh-TW" sz="1400" dirty="0" smtClean="0"/>
-          </a:p>
-          <a:p>
-            <a:r>
-              <a:rPr lang="zh-TW" altLang="en-US" sz="1400" dirty="0" smtClean="0"/>
-              <a:t>記憶體位置</a:t>
-            </a:r>
-            <a:r>
-              <a:rPr lang="en-US" altLang="zh-TW" sz="1400" dirty="0" smtClean="0"/>
-              <a:t>: CF33FF~CFABFF</a:t>
-            </a:r>
-            <a:endParaRPr lang="zh-TW" altLang="en-US" sz="1400" dirty="0"/>
-          </a:p>
-        </p:txBody>
-      </p:sp>
-      <p:sp>
-        <p:nvSpPr>
-          <p:cNvPr id="16" name="文字方塊 15"/>
-          <p:cNvSpPr txBox="1"/>
-          <p:nvPr/>
-        </p:nvSpPr>
-        <p:spPr>
-          <a:xfrm>
-            <a:off x="3670043" y="3789040"/>
-            <a:ext cx="2198100" cy="738664"/>
-          </a:xfrm>
-          <a:prstGeom prst="rect">
-            <a:avLst/>
-          </a:prstGeom>
-          <a:noFill/>
-        </p:spPr>
-        <p:txBody>
-          <a:bodyPr wrap="square" rtlCol="0">
-            <a:spAutoFit/>
-          </a:bodyPr>
-          <a:lstStyle/>
-          <a:p>
-            <a:r>
-              <a:rPr lang="zh-TW" altLang="en-US" sz="1400" dirty="0" smtClean="0"/>
-              <a:t>變數 </a:t>
-            </a:r>
-            <a:r>
-              <a:rPr lang="en-US" altLang="zh-TW" sz="1400" dirty="0" smtClean="0"/>
-              <a:t>$</a:t>
-            </a:r>
-            <a:r>
-              <a:rPr lang="en-US" altLang="zh-TW" sz="1400" dirty="0" err="1" smtClean="0"/>
-              <a:t>cloneLittleBlack</a:t>
-            </a:r>
-            <a:endParaRPr lang="en-US" altLang="zh-TW" sz="1400" dirty="0" smtClean="0"/>
-          </a:p>
-          <a:p>
-            <a:r>
-              <a:rPr lang="zh-TW" altLang="en-US" sz="1400" dirty="0" smtClean="0"/>
-              <a:t>記憶體位置</a:t>
-            </a:r>
-            <a:r>
-              <a:rPr lang="en-US" altLang="zh-TW" sz="1400" dirty="0" smtClean="0"/>
-              <a:t>: CCDDFF~CCDEF3</a:t>
-            </a:r>
-            <a:endParaRPr lang="zh-TW" altLang="en-US" sz="1400" dirty="0"/>
-          </a:p>
-        </p:txBody>
-      </p:sp>
-      <p:sp>
-        <p:nvSpPr>
-          <p:cNvPr id="18" name="文字方塊 17"/>
-          <p:cNvSpPr txBox="1"/>
-          <p:nvPr/>
-        </p:nvSpPr>
-        <p:spPr>
-          <a:xfrm>
-            <a:off x="5292080" y="4681423"/>
-            <a:ext cx="1440160" cy="738664"/>
-          </a:xfrm>
-          <a:prstGeom prst="rect">
-            <a:avLst/>
-          </a:prstGeom>
-          <a:noFill/>
-        </p:spPr>
-        <p:txBody>
-          <a:bodyPr wrap="square" rtlCol="0">
-            <a:spAutoFit/>
-          </a:bodyPr>
-          <a:lstStyle/>
-          <a:p>
-            <a:r>
-              <a:rPr lang="zh-TW" altLang="en-US" sz="1400" dirty="0" smtClean="0"/>
-              <a:t>變數 </a:t>
-            </a:r>
-            <a:r>
-              <a:rPr lang="en-US" altLang="zh-TW" sz="1400" dirty="0" smtClean="0"/>
-              <a:t>$</a:t>
-            </a:r>
-            <a:r>
-              <a:rPr lang="en-US" altLang="zh-TW" sz="1400" dirty="0" err="1" smtClean="0"/>
-              <a:t>littleRed</a:t>
-            </a:r>
-            <a:endParaRPr lang="en-US" altLang="zh-TW" sz="1400" dirty="0" smtClean="0"/>
-          </a:p>
-          <a:p>
-            <a:r>
-              <a:rPr lang="zh-TW" altLang="en-US" sz="1400" dirty="0" smtClean="0"/>
-              <a:t>記憶體位置</a:t>
-            </a:r>
-            <a:r>
-              <a:rPr lang="en-US" altLang="zh-TW" sz="1400" dirty="0" smtClean="0"/>
-              <a:t>: CCDDFF~CCDEF3</a:t>
-            </a:r>
-            <a:endParaRPr lang="zh-TW" altLang="en-US" sz="1400" dirty="0"/>
-          </a:p>
-        </p:txBody>
-      </p:sp>
-      <p:sp>
-        <p:nvSpPr>
-          <p:cNvPr id="20" name="文字方塊 19"/>
-          <p:cNvSpPr txBox="1"/>
-          <p:nvPr/>
-        </p:nvSpPr>
-        <p:spPr>
-          <a:xfrm>
-            <a:off x="6188832" y="1604308"/>
+            <a:off x="7108880" y="3861048"/>
             <a:ext cx="730002" cy="307777"/>
           </a:xfrm>
           <a:prstGeom prst="rect">
@@ -3847,57 +4092,13 @@
       </p:sp>
       <p:sp>
         <p:nvSpPr>
-          <p:cNvPr id="21" name="文字方塊 20"/>
+          <p:cNvPr id="33" name="文字方塊 32"/>
           <p:cNvSpPr txBox="1"/>
           <p:nvPr/>
         </p:nvSpPr>
         <p:spPr>
           <a:xfrm>
-            <a:off x="4398382" y="1647859"/>
-            <a:ext cx="730002" cy="307777"/>
-          </a:xfrm>
-          <a:prstGeom prst="rect">
-            <a:avLst/>
-          </a:prstGeom>
-          <a:noFill/>
-        </p:spPr>
-        <p:txBody>
-          <a:bodyPr wrap="square" rtlCol="0">
-            <a:spAutoFit/>
-          </a:bodyPr>
-          <a:lstStyle/>
-          <a:p>
-            <a:r>
-              <a:rPr lang="zh-TW" altLang="en-US" sz="1400" dirty="0" smtClean="0">
-                <a:solidFill>
-                  <a:schemeClr val="accent3">
-                    <a:lumMod val="60000"/>
-                    <a:lumOff val="40000"/>
-                  </a:schemeClr>
-                </a:solidFill>
-              </a:rPr>
-              <a:t>外部</a:t>
-            </a:r>
-            <a:endParaRPr lang="zh-TW" altLang="en-US" sz="1400" dirty="0">
-              <a:solidFill>
-                <a:schemeClr val="accent3">
-                  <a:lumMod val="60000"/>
-                  <a:lumOff val="40000"/>
-                </a:schemeClr>
-              </a:solidFill>
-            </a:endParaRPr>
-          </a:p>
-        </p:txBody>
-      </p:sp>
-      <p:sp>
-        <p:nvSpPr>
-          <p:cNvPr id="22" name="文字方塊 21"/>
-          <p:cNvSpPr txBox="1"/>
-          <p:nvPr/>
-        </p:nvSpPr>
-        <p:spPr>
-          <a:xfrm>
-            <a:off x="5945090" y="2478036"/>
+            <a:off x="6809186" y="4622939"/>
             <a:ext cx="730002" cy="246221"/>
           </a:xfrm>
           <a:prstGeom prst="rect">
@@ -3935,195 +4136,6 @@
       </p:sp>
       <p:sp>
         <p:nvSpPr>
-          <p:cNvPr id="30" name="橢圓 29"/>
-          <p:cNvSpPr/>
-          <p:nvPr/>
-        </p:nvSpPr>
-        <p:spPr>
-          <a:xfrm>
-            <a:off x="6481530" y="3645024"/>
-            <a:ext cx="2160241" cy="1224136"/>
-          </a:xfrm>
-          <a:prstGeom prst="ellipse">
-            <a:avLst/>
-          </a:prstGeom>
-          <a:noFill/>
-          <a:ln>
-            <a:solidFill>
-              <a:schemeClr val="accent2">
-                <a:lumMod val="60000"/>
-                <a:lumOff val="40000"/>
-              </a:schemeClr>
-            </a:solidFill>
-          </a:ln>
-        </p:spPr>
-        <p:style>
-          <a:lnRef idx="2">
-            <a:schemeClr val="accent1">
-              <a:shade val="50000"/>
-            </a:schemeClr>
-          </a:lnRef>
-          <a:fillRef idx="1">
-            <a:schemeClr val="accent1"/>
-          </a:fillRef>
-          <a:effectRef idx="0">
-            <a:schemeClr val="accent1"/>
-          </a:effectRef>
-          <a:fontRef idx="minor">
-            <a:schemeClr val="lt1"/>
-          </a:fontRef>
-        </p:style>
-        <p:txBody>
-          <a:bodyPr rtlCol="0" anchor="ctr"/>
-          <a:lstStyle/>
-          <a:p>
-            <a:pPr algn="ctr"/>
-            <a:endParaRPr lang="zh-TW" altLang="en-US"/>
-          </a:p>
-        </p:txBody>
-      </p:sp>
-      <p:sp>
-        <p:nvSpPr>
-          <p:cNvPr id="31" name="文字方塊 30"/>
-          <p:cNvSpPr txBox="1"/>
-          <p:nvPr/>
-        </p:nvSpPr>
-        <p:spPr>
-          <a:xfrm>
-            <a:off x="6913577" y="3842464"/>
-            <a:ext cx="2554967" cy="954107"/>
-          </a:xfrm>
-          <a:prstGeom prst="rect">
-            <a:avLst/>
-          </a:prstGeom>
-          <a:noFill/>
-        </p:spPr>
-        <p:txBody>
-          <a:bodyPr wrap="square" rtlCol="0">
-            <a:spAutoFit/>
-          </a:bodyPr>
-          <a:lstStyle/>
-          <a:p>
-            <a:r>
-              <a:rPr lang="en-US" altLang="zh-TW" sz="1400" dirty="0" smtClean="0"/>
-              <a:t>$name / CF33FF…</a:t>
-            </a:r>
-          </a:p>
-          <a:p>
-            <a:r>
-              <a:rPr lang="en-US" altLang="zh-TW" sz="1400" dirty="0" smtClean="0"/>
-              <a:t>$position / CFD3FF…</a:t>
-            </a:r>
-          </a:p>
-          <a:p>
-            <a:r>
-              <a:rPr lang="en-US" altLang="zh-TW" sz="1400" dirty="0" err="1" smtClean="0"/>
-              <a:t>moveTo</a:t>
-            </a:r>
-            <a:r>
-              <a:rPr lang="en-US" altLang="zh-TW" sz="1400" dirty="0" smtClean="0"/>
-              <a:t> / CFE3FF…</a:t>
-            </a:r>
-          </a:p>
-          <a:p>
-            <a:r>
-              <a:rPr lang="en-US" altLang="zh-TW" sz="1400" dirty="0" smtClean="0"/>
-              <a:t>{              }</a:t>
-            </a:r>
-            <a:endParaRPr lang="zh-TW" altLang="en-US" sz="1400" dirty="0"/>
-          </a:p>
-        </p:txBody>
-      </p:sp>
-      <p:sp>
-        <p:nvSpPr>
-          <p:cNvPr id="32" name="文字方塊 31"/>
-          <p:cNvSpPr txBox="1"/>
-          <p:nvPr/>
-        </p:nvSpPr>
-        <p:spPr>
-          <a:xfrm>
-            <a:off x="7290218" y="3645024"/>
-            <a:ext cx="730002" cy="307777"/>
-          </a:xfrm>
-          <a:prstGeom prst="rect">
-            <a:avLst/>
-          </a:prstGeom>
-          <a:noFill/>
-        </p:spPr>
-        <p:txBody>
-          <a:bodyPr wrap="square" rtlCol="0">
-            <a:spAutoFit/>
-          </a:bodyPr>
-          <a:lstStyle/>
-          <a:p>
-            <a:r>
-              <a:rPr lang="zh-TW" altLang="en-US" sz="1400" dirty="0" smtClean="0">
-                <a:solidFill>
-                  <a:schemeClr val="accent3">
-                    <a:lumMod val="60000"/>
-                    <a:lumOff val="40000"/>
-                  </a:schemeClr>
-                </a:solidFill>
-              </a:rPr>
-              <a:t>內部</a:t>
-            </a:r>
-            <a:endParaRPr lang="zh-TW" altLang="en-US" sz="1400" dirty="0">
-              <a:solidFill>
-                <a:schemeClr val="accent3">
-                  <a:lumMod val="60000"/>
-                  <a:lumOff val="40000"/>
-                </a:schemeClr>
-              </a:solidFill>
-            </a:endParaRPr>
-          </a:p>
-        </p:txBody>
-      </p:sp>
-      <p:sp>
-        <p:nvSpPr>
-          <p:cNvPr id="33" name="文字方塊 32"/>
-          <p:cNvSpPr txBox="1"/>
-          <p:nvPr/>
-        </p:nvSpPr>
-        <p:spPr>
-          <a:xfrm>
-            <a:off x="6990524" y="4518752"/>
-            <a:ext cx="730002" cy="246221"/>
-          </a:xfrm>
-          <a:prstGeom prst="rect">
-            <a:avLst/>
-          </a:prstGeom>
-          <a:noFill/>
-        </p:spPr>
-        <p:txBody>
-          <a:bodyPr wrap="square" rtlCol="0">
-            <a:spAutoFit/>
-          </a:bodyPr>
-          <a:lstStyle/>
-          <a:p>
-            <a:r>
-              <a:rPr lang="zh-TW" altLang="en-US" sz="1000" dirty="0" smtClean="0">
-                <a:solidFill>
-                  <a:schemeClr val="accent3">
-                    <a:lumMod val="60000"/>
-                    <a:lumOff val="40000"/>
-                  </a:schemeClr>
-                </a:solidFill>
-              </a:rPr>
-              <a:t>內部區域</a:t>
-            </a:r>
-            <a:endParaRPr lang="zh-TW" altLang="en-US" sz="1000" dirty="0">
-              <a:solidFill>
-                <a:schemeClr val="accent3">
-                  <a:lumMod val="60000"/>
-                  <a:lumOff val="40000"/>
-                </a:schemeClr>
-              </a:solidFill>
-            </a:endParaRPr>
-          </a:p>
-        </p:txBody>
-      </p:sp>
-      <p:sp>
-        <p:nvSpPr>
           <p:cNvPr id="37" name="矩形 36"/>
           <p:cNvSpPr/>
           <p:nvPr/>
@@ -4131,7 +4143,7 @@
         <p:spPr>
           <a:xfrm>
             <a:off x="3337468" y="2908083"/>
-            <a:ext cx="2710696" cy="777512"/>
+            <a:ext cx="1378548" cy="304893"/>
           </a:xfrm>
           <a:prstGeom prst="rect">
             <a:avLst/>
@@ -4166,100 +4178,15 @@
           <a:lstStyle/>
           <a:p>
             <a:pPr algn="ctr"/>
-            <a:endParaRPr lang="zh-TW" altLang="en-US"/>
-          </a:p>
-        </p:txBody>
-      </p:sp>
-      <p:sp>
-        <p:nvSpPr>
-          <p:cNvPr id="36" name="文字方塊 35"/>
-          <p:cNvSpPr txBox="1"/>
-          <p:nvPr/>
-        </p:nvSpPr>
-        <p:spPr>
-          <a:xfrm>
-            <a:off x="3275856" y="2886035"/>
-            <a:ext cx="2772307" cy="646331"/>
-          </a:xfrm>
-          <a:prstGeom prst="rect">
-            <a:avLst/>
-          </a:prstGeom>
-          <a:noFill/>
-        </p:spPr>
-        <p:txBody>
-          <a:bodyPr wrap="square" rtlCol="0">
-            <a:spAutoFit/>
-          </a:bodyPr>
-          <a:lstStyle/>
-          <a:p>
             <a:r>
               <a:rPr lang="en-US" altLang="zh-TW" sz="1200" dirty="0" smtClean="0"/>
-              <a:t>$name  </a:t>
-            </a:r>
-            <a:r>
-              <a:rPr lang="zh-TW" altLang="en-US" sz="1200" dirty="0" smtClean="0"/>
-              <a:t>位置 </a:t>
+              <a:t>r</a:t>
             </a:r>
             <a:r>
               <a:rPr lang="en-US" altLang="zh-TW" sz="1200" dirty="0" smtClean="0"/>
-              <a:t>CC6677 / </a:t>
-            </a:r>
-            <a:r>
-              <a:rPr lang="zh-TW" altLang="en-US" sz="1200" dirty="0"/>
-              <a:t>值</a:t>
-            </a:r>
-            <a:r>
-              <a:rPr lang="en-US" altLang="zh-TW" sz="1200" dirty="0" smtClean="0"/>
-              <a:t> AA33FF…</a:t>
-            </a:r>
-          </a:p>
-          <a:p>
-            <a:r>
-              <a:rPr lang="en-US" altLang="zh-TW" sz="1200" dirty="0" smtClean="0"/>
-              <a:t>$position  </a:t>
-            </a:r>
-            <a:r>
-              <a:rPr lang="zh-TW" altLang="en-US" sz="1200" dirty="0" smtClean="0"/>
-              <a:t>位置 </a:t>
-            </a:r>
-            <a:r>
-              <a:rPr lang="en-US" altLang="zh-TW" sz="1200" dirty="0" smtClean="0"/>
-              <a:t>CC6678 / </a:t>
-            </a:r>
-            <a:r>
-              <a:rPr lang="zh-TW" altLang="en-US" sz="1200" dirty="0" smtClean="0"/>
-              <a:t>值 </a:t>
-            </a:r>
-            <a:r>
-              <a:rPr lang="en-US" altLang="zh-TW" sz="1200" dirty="0" smtClean="0"/>
-              <a:t>AA3D12…</a:t>
-            </a:r>
-          </a:p>
-          <a:p>
-            <a:r>
-              <a:rPr lang="en-US" altLang="zh-TW" sz="1200" dirty="0" err="1" smtClean="0"/>
-              <a:t>moveTo</a:t>
-            </a:r>
-            <a:r>
-              <a:rPr lang="en-US" altLang="zh-TW" sz="1200" dirty="0" smtClean="0"/>
-              <a:t> </a:t>
-            </a:r>
-            <a:r>
-              <a:rPr lang="zh-TW" altLang="en-US" sz="1200" dirty="0" smtClean="0"/>
-              <a:t>位置 </a:t>
-            </a:r>
-            <a:r>
-              <a:rPr lang="en-US" altLang="zh-TW" sz="1200" dirty="0" smtClean="0"/>
-              <a:t>CC6679 / </a:t>
-            </a:r>
-            <a:r>
-              <a:rPr lang="zh-TW" altLang="en-US" sz="1200" dirty="0" smtClean="0"/>
-              <a:t>值 </a:t>
-            </a:r>
-            <a:r>
-              <a:rPr lang="en-US" altLang="zh-TW" sz="1200" dirty="0" smtClean="0"/>
-              <a:t>AA3FFF…</a:t>
-            </a:r>
+              <a:t>efer to $this</a:t>
+            </a:r>
+            <a:endParaRPr lang="zh-TW" altLang="en-US" sz="1200" dirty="0"/>
           </a:p>
         </p:txBody>
       </p:sp>
@@ -4271,8 +4198,8 @@
         </p:nvSpPr>
         <p:spPr>
           <a:xfrm>
-            <a:off x="6236201" y="1340768"/>
-            <a:ext cx="474330" cy="307777"/>
+            <a:off x="6186656" y="1340768"/>
+            <a:ext cx="640055" cy="307777"/>
           </a:xfrm>
           <a:prstGeom prst="rect">
             <a:avLst/>
@@ -4294,7 +4221,7 @@
                   </a:schemeClr>
                 </a:solidFill>
               </a:rPr>
-              <a:t>this</a:t>
+              <a:t>$this</a:t>
             </a:r>
             <a:endParaRPr lang="zh-TW" altLang="en-US" sz="1400" dirty="0">
               <a:solidFill>
@@ -4315,8 +4242,8 @@
         </p:nvSpPr>
         <p:spPr>
           <a:xfrm>
-            <a:off x="7338030" y="3356992"/>
-            <a:ext cx="474330" cy="307777"/>
+            <a:off x="7116052" y="3573016"/>
+            <a:ext cx="655668" cy="307777"/>
           </a:xfrm>
           <a:prstGeom prst="rect">
             <a:avLst/>
@@ -4338,7 +4265,7 @@
                   </a:schemeClr>
                 </a:solidFill>
               </a:rPr>
-              <a:t>this</a:t>
+              <a:t>$this</a:t>
             </a:r>
             <a:endParaRPr lang="zh-TW" altLang="en-US" sz="1400" dirty="0">
               <a:solidFill>
@@ -4359,8 +4286,8 @@
         </p:nvSpPr>
         <p:spPr>
           <a:xfrm>
-            <a:off x="3720708" y="4514379"/>
-            <a:ext cx="1355348" cy="536577"/>
+            <a:off x="3326520" y="4226347"/>
+            <a:ext cx="1389495" cy="282773"/>
           </a:xfrm>
           <a:prstGeom prst="rect">
             <a:avLst/>
@@ -4396,51 +4323,14 @@
           <a:p>
             <a:pPr algn="ctr"/>
             <a:r>
-              <a:rPr lang="en-US" altLang="zh-TW" dirty="0" smtClean="0"/>
+              <a:rPr lang="en-US" altLang="zh-TW" sz="1200" dirty="0" smtClean="0"/>
               <a:t> </a:t>
             </a:r>
-            <a:endParaRPr lang="zh-TW" altLang="en-US" dirty="0"/>
-          </a:p>
-        </p:txBody>
-      </p:sp>
-      <p:sp>
-        <p:nvSpPr>
-          <p:cNvPr id="41" name="文字方塊 40"/>
-          <p:cNvSpPr txBox="1"/>
-          <p:nvPr/>
-        </p:nvSpPr>
-        <p:spPr>
-          <a:xfrm>
-            <a:off x="3720708" y="4437112"/>
-            <a:ext cx="1071853" cy="646331"/>
-          </a:xfrm>
-          <a:prstGeom prst="rect">
-            <a:avLst/>
-          </a:prstGeom>
-          <a:noFill/>
-        </p:spPr>
-        <p:txBody>
-          <a:bodyPr wrap="square" rtlCol="0">
-            <a:spAutoFit/>
-          </a:bodyPr>
-          <a:lstStyle/>
-          <a:p>
             <a:r>
               <a:rPr lang="en-US" altLang="zh-TW" sz="1200" dirty="0" smtClean="0"/>
-              <a:t>… …</a:t>
-            </a:r>
-          </a:p>
-          <a:p>
-            <a:r>
-              <a:rPr lang="en-US" altLang="zh-TW" sz="1200" dirty="0" smtClean="0"/>
-              <a:t>… …</a:t>
-            </a:r>
-          </a:p>
-          <a:p>
-            <a:r>
-              <a:rPr lang="en-US" altLang="zh-TW" sz="1200" dirty="0" smtClean="0"/>
-              <a:t>… …</a:t>
-            </a:r>
+              <a:t>refer to $this</a:t>
+            </a:r>
+            <a:endParaRPr lang="zh-TW" altLang="en-US" sz="1200" dirty="0"/>
           </a:p>
         </p:txBody>
       </p:sp>
@@ -4452,8 +4342,8 @@
         </p:nvSpPr>
         <p:spPr>
           <a:xfrm>
-            <a:off x="5364088" y="5442320"/>
-            <a:ext cx="1355348" cy="388756"/>
+            <a:off x="4644008" y="5414033"/>
+            <a:ext cx="1355348" cy="290936"/>
           </a:xfrm>
           <a:prstGeom prst="rect">
             <a:avLst/>
@@ -4489,45 +4379,14 @@
           <a:p>
             <a:pPr algn="ctr"/>
             <a:r>
-              <a:rPr lang="en-US" altLang="zh-TW" dirty="0" smtClean="0"/>
+              <a:rPr lang="en-US" altLang="zh-TW" sz="1200" dirty="0" smtClean="0"/>
               <a:t> </a:t>
             </a:r>
-            <a:endParaRPr lang="zh-TW" altLang="en-US" dirty="0"/>
-          </a:p>
-        </p:txBody>
-      </p:sp>
-      <p:sp>
-        <p:nvSpPr>
-          <p:cNvPr id="43" name="文字方塊 42"/>
-          <p:cNvSpPr txBox="1"/>
-          <p:nvPr/>
-        </p:nvSpPr>
-        <p:spPr>
-          <a:xfrm>
-            <a:off x="5364088" y="5373216"/>
-            <a:ext cx="1071853" cy="461665"/>
-          </a:xfrm>
-          <a:prstGeom prst="rect">
-            <a:avLst/>
-          </a:prstGeom>
-          <a:noFill/>
-        </p:spPr>
-        <p:txBody>
-          <a:bodyPr wrap="square" rtlCol="0">
-            <a:spAutoFit/>
-          </a:bodyPr>
-          <a:lstStyle/>
-          <a:p>
             <a:r>
               <a:rPr lang="en-US" altLang="zh-TW" sz="1200" dirty="0" smtClean="0"/>
-              <a:t>… …</a:t>
-            </a:r>
-          </a:p>
-          <a:p>
-            <a:r>
-              <a:rPr lang="en-US" altLang="zh-TW" sz="1200" dirty="0" smtClean="0"/>
-              <a:t>… …</a:t>
-            </a:r>
+              <a:t>refer to $this</a:t>
+            </a:r>
+            <a:endParaRPr lang="zh-TW" altLang="en-US" sz="1200" dirty="0"/>
           </a:p>
         </p:txBody>
       </p:sp>
@@ -4539,8 +4398,8 @@
         </p:nvCxnSpPr>
         <p:spPr>
           <a:xfrm flipV="1">
-            <a:off x="5192334" y="1912085"/>
-            <a:ext cx="752756" cy="1084867"/>
+            <a:off x="4788024" y="2636912"/>
+            <a:ext cx="216024" cy="288032"/>
           </a:xfrm>
           <a:prstGeom prst="straightConnector1">
             <a:avLst/>
@@ -4578,8 +4437,8 @@
         </p:nvCxnSpPr>
         <p:spPr>
           <a:xfrm flipV="1">
-            <a:off x="5220072" y="2132856"/>
-            <a:ext cx="752756" cy="1084867"/>
+            <a:off x="4788024" y="2924944"/>
+            <a:ext cx="936104" cy="1296146"/>
           </a:xfrm>
           <a:prstGeom prst="straightConnector1">
             <a:avLst/>
@@ -4617,8 +4476,8 @@
         </p:nvCxnSpPr>
         <p:spPr>
           <a:xfrm flipV="1">
-            <a:off x="5292080" y="2416142"/>
-            <a:ext cx="648072" cy="981847"/>
+            <a:off x="6012160" y="4869160"/>
+            <a:ext cx="360040" cy="504056"/>
           </a:xfrm>
           <a:prstGeom prst="straightConnector1">
             <a:avLst/>
@@ -4651,13 +4510,20 @@
     </p:spTree>
     <p:extLst>
       <p:ext uri="{BB962C8B-B14F-4D97-AF65-F5344CB8AC3E}">
-        <p14:creationId xmlns:p14="http://schemas.microsoft.com/office/powerpoint/2010/main" xmlns="" val="3418466864"/>
+        <p14:creationId xmlns="" xmlns:p14="http://schemas.microsoft.com/office/powerpoint/2010/main" val="3418466864"/>
       </p:ext>
     </p:extLst>
   </p:cSld>
   <p:clrMapOvr>
     <a:masterClrMapping/>
   </p:clrMapOvr>
+  <p:timing>
+    <p:tnLst>
+      <p:par>
+        <p:cTn id="1" dur="indefinite" restart="never" nodeType="tmRoot"/>
+      </p:par>
+    </p:tnLst>
+  </p:timing>
 </p:sld>
 </file>
 

--- a/php/phpMVC/物件概念.pptx
+++ b/php/phpMVC/物件概念.pptx
@@ -289,7 +289,7 @@
             <a:fld id="{5BBEAD13-0566-4C6C-97E7-55F17F24B09F}" type="datetimeFigureOut">
               <a:rPr lang="zh-TW" altLang="en-US" smtClean="0"/>
               <a:pPr/>
-              <a:t>2016/6/29</a:t>
+              <a:t>2016/7/1</a:t>
             </a:fld>
             <a:endParaRPr lang="zh-TW" altLang="en-US"/>
           </a:p>
@@ -456,7 +456,7 @@
             <a:fld id="{5BBEAD13-0566-4C6C-97E7-55F17F24B09F}" type="datetimeFigureOut">
               <a:rPr lang="zh-TW" altLang="en-US" smtClean="0"/>
               <a:pPr/>
-              <a:t>2016/6/29</a:t>
+              <a:t>2016/7/1</a:t>
             </a:fld>
             <a:endParaRPr lang="zh-TW" altLang="en-US"/>
           </a:p>
@@ -633,7 +633,7 @@
             <a:fld id="{5BBEAD13-0566-4C6C-97E7-55F17F24B09F}" type="datetimeFigureOut">
               <a:rPr lang="zh-TW" altLang="en-US" smtClean="0"/>
               <a:pPr/>
-              <a:t>2016/6/29</a:t>
+              <a:t>2016/7/1</a:t>
             </a:fld>
             <a:endParaRPr lang="zh-TW" altLang="en-US"/>
           </a:p>
@@ -800,7 +800,7 @@
             <a:fld id="{5BBEAD13-0566-4C6C-97E7-55F17F24B09F}" type="datetimeFigureOut">
               <a:rPr lang="zh-TW" altLang="en-US" smtClean="0"/>
               <a:pPr/>
-              <a:t>2016/6/29</a:t>
+              <a:t>2016/7/1</a:t>
             </a:fld>
             <a:endParaRPr lang="zh-TW" altLang="en-US"/>
           </a:p>
@@ -1043,7 +1043,7 @@
             <a:fld id="{5BBEAD13-0566-4C6C-97E7-55F17F24B09F}" type="datetimeFigureOut">
               <a:rPr lang="zh-TW" altLang="en-US" smtClean="0"/>
               <a:pPr/>
-              <a:t>2016/6/29</a:t>
+              <a:t>2016/7/1</a:t>
             </a:fld>
             <a:endParaRPr lang="zh-TW" altLang="en-US"/>
           </a:p>
@@ -1328,7 +1328,7 @@
             <a:fld id="{5BBEAD13-0566-4C6C-97E7-55F17F24B09F}" type="datetimeFigureOut">
               <a:rPr lang="zh-TW" altLang="en-US" smtClean="0"/>
               <a:pPr/>
-              <a:t>2016/6/29</a:t>
+              <a:t>2016/7/1</a:t>
             </a:fld>
             <a:endParaRPr lang="zh-TW" altLang="en-US"/>
           </a:p>
@@ -1747,7 +1747,7 @@
             <a:fld id="{5BBEAD13-0566-4C6C-97E7-55F17F24B09F}" type="datetimeFigureOut">
               <a:rPr lang="zh-TW" altLang="en-US" smtClean="0"/>
               <a:pPr/>
-              <a:t>2016/6/29</a:t>
+              <a:t>2016/7/1</a:t>
             </a:fld>
             <a:endParaRPr lang="zh-TW" altLang="en-US"/>
           </a:p>
@@ -1862,7 +1862,7 @@
             <a:fld id="{5BBEAD13-0566-4C6C-97E7-55F17F24B09F}" type="datetimeFigureOut">
               <a:rPr lang="zh-TW" altLang="en-US" smtClean="0"/>
               <a:pPr/>
-              <a:t>2016/6/29</a:t>
+              <a:t>2016/7/1</a:t>
             </a:fld>
             <a:endParaRPr lang="zh-TW" altLang="en-US"/>
           </a:p>
@@ -1954,7 +1954,7 @@
             <a:fld id="{5BBEAD13-0566-4C6C-97E7-55F17F24B09F}" type="datetimeFigureOut">
               <a:rPr lang="zh-TW" altLang="en-US" smtClean="0"/>
               <a:pPr/>
-              <a:t>2016/6/29</a:t>
+              <a:t>2016/7/1</a:t>
             </a:fld>
             <a:endParaRPr lang="zh-TW" altLang="en-US"/>
           </a:p>
@@ -2228,7 +2228,7 @@
             <a:fld id="{5BBEAD13-0566-4C6C-97E7-55F17F24B09F}" type="datetimeFigureOut">
               <a:rPr lang="zh-TW" altLang="en-US" smtClean="0"/>
               <a:pPr/>
-              <a:t>2016/6/29</a:t>
+              <a:t>2016/7/1</a:t>
             </a:fld>
             <a:endParaRPr lang="zh-TW" altLang="en-US"/>
           </a:p>
@@ -2478,7 +2478,7 @@
             <a:fld id="{5BBEAD13-0566-4C6C-97E7-55F17F24B09F}" type="datetimeFigureOut">
               <a:rPr lang="zh-TW" altLang="en-US" smtClean="0"/>
               <a:pPr/>
-              <a:t>2016/6/29</a:t>
+              <a:t>2016/7/1</a:t>
             </a:fld>
             <a:endParaRPr lang="zh-TW" altLang="en-US"/>
           </a:p>
@@ -2688,7 +2688,7 @@
             <a:fld id="{5BBEAD13-0566-4C6C-97E7-55F17F24B09F}" type="datetimeFigureOut">
               <a:rPr lang="zh-TW" altLang="en-US" smtClean="0"/>
               <a:pPr/>
-              <a:t>2016/6/29</a:t>
+              <a:t>2016/7/1</a:t>
             </a:fld>
             <a:endParaRPr lang="zh-TW" altLang="en-US"/>
           </a:p>
@@ -3137,7 +3137,7 @@
         </p:nvSpPr>
         <p:spPr>
           <a:xfrm>
-            <a:off x="0" y="116632"/>
+            <a:off x="0" y="188640"/>
             <a:ext cx="5076056" cy="5478423"/>
           </a:xfrm>
           <a:prstGeom prst="rect">
@@ -3182,8 +3182,13 @@
             </a:r>
             <a:r>
               <a:rPr lang="zh-TW" altLang="en-US" sz="1400" dirty="0"/>
-              <a:t>不可從外部存取，但類別內的所有成員皆可存取</a:t>
-            </a:r>
+              <a:t>不可從外部存取</a:t>
+            </a:r>
+            <a:r>
+              <a:rPr lang="zh-TW" altLang="en-US" sz="1400" dirty="0" smtClean="0"/>
+              <a:t>，可被繼承</a:t>
+            </a:r>
+            <a:endParaRPr lang="zh-TW" altLang="en-US" sz="1400" dirty="0"/>
           </a:p>
           <a:p>
             <a:r>
@@ -3192,19 +3197,11 @@
             </a:r>
             <a:r>
               <a:rPr lang="zh-TW" altLang="en-US" sz="1400" dirty="0"/>
-              <a:t>不可從外部存取，僅</a:t>
+              <a:t>不可從外部存取</a:t>
             </a:r>
             <a:r>
               <a:rPr lang="zh-TW" altLang="en-US" sz="1400" dirty="0" smtClean="0"/>
-              <a:t>供內部區域</a:t>
-            </a:r>
-            <a:r>
-              <a:rPr lang="zh-TW" altLang="en-US" sz="1400" dirty="0"/>
-              <a:t>內的成員</a:t>
-            </a:r>
-            <a:r>
-              <a:rPr lang="zh-TW" altLang="en-US" sz="1400" dirty="0" smtClean="0"/>
-              <a:t>存取</a:t>
+              <a:t>，無法被繼承</a:t>
             </a:r>
             <a:endParaRPr lang="en-US" altLang="zh-TW" sz="1400" dirty="0" smtClean="0"/>
           </a:p>
@@ -3233,8 +3230,23 @@
           <a:p>
             <a:r>
               <a:rPr lang="en-US" altLang="zh-TW" sz="1400" dirty="0"/>
-              <a:t>    protected $position;</a:t>
-            </a:r>
+              <a:t>    protected $position</a:t>
+            </a:r>
+            <a:r>
+              <a:rPr lang="en-US" altLang="zh-TW" sz="1400" dirty="0" smtClean="0"/>
+              <a:t>;</a:t>
+            </a:r>
+          </a:p>
+          <a:p>
+            <a:r>
+              <a:rPr lang="en-US" altLang="zh-TW" sz="1400" dirty="0" smtClean="0"/>
+              <a:t> </a:t>
+            </a:r>
+            <a:r>
+              <a:rPr lang="en-US" altLang="zh-TW" sz="1400" dirty="0" smtClean="0"/>
+              <a:t>   private $example;</a:t>
+            </a:r>
+            <a:endParaRPr lang="en-US" altLang="zh-TW" sz="1400" dirty="0"/>
           </a:p>
           <a:p>
             <a:endParaRPr lang="en-US" altLang="zh-TW" sz="1400" dirty="0"/>
@@ -3263,27 +3275,12 @@
           </a:p>
           <a:p>
             <a:r>
+              <a:rPr lang="en-US" altLang="zh-TW" sz="1400" dirty="0" smtClean="0"/>
+              <a:t>        $</a:t>
+            </a:r>
+            <a:r>
               <a:rPr lang="en-US" altLang="zh-TW" sz="1400" dirty="0"/>
-              <a:t> </a:t>
-            </a:r>
-            <a:r>
-              <a:rPr lang="en-US" altLang="zh-TW" sz="1400" dirty="0" smtClean="0"/>
-              <a:t>       private $test = ‘belong to </a:t>
-            </a:r>
-            <a:r>
-              <a:rPr lang="en-US" altLang="zh-TW" sz="1400" dirty="0" err="1" smtClean="0"/>
-              <a:t>moveTo</a:t>
-            </a:r>
-            <a:r>
-              <a:rPr lang="en-US" altLang="zh-TW" sz="1400" dirty="0" smtClean="0"/>
-              <a:t>’;</a:t>
-            </a:r>
-            <a:endParaRPr lang="en-US" altLang="zh-TW" sz="1400" dirty="0"/>
-          </a:p>
-          <a:p>
-            <a:r>
-              <a:rPr lang="en-US" altLang="zh-TW" sz="1400" dirty="0"/>
-              <a:t>        $this-&gt;position['x'] = $x;</a:t>
+              <a:t>this-&gt;position['x'] = $x;</a:t>
             </a:r>
           </a:p>
           <a:p>
@@ -3507,8 +3504,8 @@
         </p:nvSpPr>
         <p:spPr>
           <a:xfrm>
-            <a:off x="5076056" y="1844824"/>
-            <a:ext cx="3744417" cy="830997"/>
+            <a:off x="5076056" y="1949941"/>
+            <a:ext cx="3744417" cy="646331"/>
           </a:xfrm>
           <a:prstGeom prst="rect">
             <a:avLst/>
@@ -3591,21 +3588,6 @@
               <a:t>值</a:t>
             </a:r>
             <a:endParaRPr lang="en-US" altLang="zh-TW" sz="1200" dirty="0" smtClean="0"/>
-          </a:p>
-          <a:p>
-            <a:r>
-              <a:rPr lang="en-US" altLang="zh-TW" sz="1200" dirty="0" smtClean="0"/>
-              <a:t>{      </a:t>
-            </a:r>
-            <a:r>
-              <a:rPr lang="en-US" altLang="zh-TW" sz="1200" dirty="0" smtClean="0"/>
-              <a:t>          </a:t>
-            </a:r>
-            <a:r>
-              <a:rPr lang="en-US" altLang="zh-TW" sz="1200" dirty="0" smtClean="0"/>
-              <a:t>}</a:t>
-            </a:r>
-            <a:endParaRPr lang="zh-TW" altLang="en-US" sz="1200" dirty="0"/>
           </a:p>
         </p:txBody>
       </p:sp>
@@ -3887,50 +3869,6 @@
               <a:t>外部</a:t>
             </a:r>
             <a:endParaRPr lang="zh-TW" altLang="en-US" sz="1400" dirty="0">
-              <a:solidFill>
-                <a:schemeClr val="accent3">
-                  <a:lumMod val="60000"/>
-                  <a:lumOff val="40000"/>
-                </a:schemeClr>
-              </a:solidFill>
-            </a:endParaRPr>
-          </a:p>
-        </p:txBody>
-      </p:sp>
-      <p:sp>
-        <p:nvSpPr>
-          <p:cNvPr id="22" name="文字方塊 21"/>
-          <p:cNvSpPr txBox="1"/>
-          <p:nvPr/>
-        </p:nvSpPr>
-        <p:spPr>
-          <a:xfrm>
-            <a:off x="5148302" y="2410728"/>
-            <a:ext cx="730002" cy="246221"/>
-          </a:xfrm>
-          <a:prstGeom prst="rect">
-            <a:avLst/>
-          </a:prstGeom>
-          <a:noFill/>
-        </p:spPr>
-        <p:txBody>
-          <a:bodyPr wrap="square" rtlCol="0">
-            <a:spAutoFit/>
-          </a:bodyPr>
-          <a:lstStyle/>
-          <a:p>
-            <a:r>
-              <a:rPr lang="zh-TW" altLang="en-US" sz="1000" dirty="0" smtClean="0">
-                <a:solidFill>
-                  <a:schemeClr val="accent3">
-                    <a:lumMod val="60000"/>
-                    <a:lumOff val="40000"/>
-                  </a:schemeClr>
-                </a:solidFill>
-              </a:rPr>
-              <a:t>內部區域</a:t>
-            </a:r>
-            <a:endParaRPr lang="zh-TW" altLang="en-US" sz="1000" dirty="0">
               <a:solidFill>
                 <a:schemeClr val="accent3">
                   <a:lumMod val="60000"/>
@@ -3998,8 +3936,8 @@
         </p:nvSpPr>
         <p:spPr>
           <a:xfrm>
-            <a:off x="6732239" y="4058488"/>
-            <a:ext cx="2554967" cy="830997"/>
+            <a:off x="6409521" y="4159240"/>
+            <a:ext cx="2554967" cy="646331"/>
           </a:xfrm>
           <a:prstGeom prst="rect">
             <a:avLst/>
@@ -4014,13 +3952,30 @@
           <a:p>
             <a:r>
               <a:rPr lang="en-US" altLang="zh-TW" sz="1200" dirty="0" smtClean="0"/>
-              <a:t>$name / CF33FF…</a:t>
-            </a:r>
-          </a:p>
-          <a:p>
+              <a:t>$name / CF33FF</a:t>
+            </a:r>
             <a:r>
               <a:rPr lang="en-US" altLang="zh-TW" sz="1200" dirty="0" smtClean="0"/>
-              <a:t>$position / CFD3FF…</a:t>
+              <a:t>… / ‘</a:t>
+            </a:r>
+            <a:r>
+              <a:rPr lang="en-US" altLang="zh-TW" sz="1200" dirty="0" err="1" smtClean="0"/>
+              <a:t>ittleRed</a:t>
+            </a:r>
+            <a:r>
+              <a:rPr lang="en-US" altLang="zh-TW" sz="1200" dirty="0" smtClean="0"/>
+              <a:t>’</a:t>
+            </a:r>
+            <a:endParaRPr lang="en-US" altLang="zh-TW" sz="1200" dirty="0" smtClean="0"/>
+          </a:p>
+          <a:p>
+            <a:r>
+              <a:rPr lang="en-US" altLang="zh-TW" sz="1200" dirty="0" smtClean="0"/>
+              <a:t>$</a:t>
+            </a:r>
+            <a:r>
+              <a:rPr lang="en-US" altLang="zh-TW" sz="1200" dirty="0" smtClean="0"/>
+              <a:t>position / CFD3FF…</a:t>
             </a:r>
           </a:p>
           <a:p>
@@ -4030,19 +3985,13 @@
             </a:r>
             <a:r>
               <a:rPr lang="en-US" altLang="zh-TW" sz="1200" dirty="0" smtClean="0"/>
-              <a:t> / CFE3FF…</a:t>
-            </a:r>
-          </a:p>
-          <a:p>
+              <a:t> / CFE3FF</a:t>
+            </a:r>
             <a:r>
               <a:rPr lang="en-US" altLang="zh-TW" sz="1200" dirty="0" smtClean="0"/>
-              <a:t>{              </a:t>
-            </a:r>
-            <a:r>
-              <a:rPr lang="en-US" altLang="zh-TW" sz="1200" dirty="0" smtClean="0"/>
-              <a:t>  }</a:t>
-            </a:r>
-            <a:endParaRPr lang="zh-TW" altLang="en-US" sz="1200" dirty="0"/>
+              <a:t>…</a:t>
+            </a:r>
+            <a:endParaRPr lang="en-US" altLang="zh-TW" sz="1200" dirty="0" smtClean="0"/>
           </a:p>
         </p:txBody>
       </p:sp>
@@ -4080,50 +4029,6 @@
               <a:t>內部</a:t>
             </a:r>
             <a:endParaRPr lang="zh-TW" altLang="en-US" sz="1400" dirty="0">
-              <a:solidFill>
-                <a:schemeClr val="accent3">
-                  <a:lumMod val="60000"/>
-                  <a:lumOff val="40000"/>
-                </a:schemeClr>
-              </a:solidFill>
-            </a:endParaRPr>
-          </a:p>
-        </p:txBody>
-      </p:sp>
-      <p:sp>
-        <p:nvSpPr>
-          <p:cNvPr id="33" name="文字方塊 32"/>
-          <p:cNvSpPr txBox="1"/>
-          <p:nvPr/>
-        </p:nvSpPr>
-        <p:spPr>
-          <a:xfrm>
-            <a:off x="6809186" y="4622939"/>
-            <a:ext cx="730002" cy="246221"/>
-          </a:xfrm>
-          <a:prstGeom prst="rect">
-            <a:avLst/>
-          </a:prstGeom>
-          <a:noFill/>
-        </p:spPr>
-        <p:txBody>
-          <a:bodyPr wrap="square" rtlCol="0">
-            <a:spAutoFit/>
-          </a:bodyPr>
-          <a:lstStyle/>
-          <a:p>
-            <a:r>
-              <a:rPr lang="zh-TW" altLang="en-US" sz="1000" dirty="0" smtClean="0">
-                <a:solidFill>
-                  <a:schemeClr val="accent3">
-                    <a:lumMod val="60000"/>
-                    <a:lumOff val="40000"/>
-                  </a:schemeClr>
-                </a:solidFill>
-              </a:rPr>
-              <a:t>內部區域</a:t>
-            </a:r>
-            <a:endParaRPr lang="zh-TW" altLang="en-US" sz="1000" dirty="0">
               <a:solidFill>
                 <a:schemeClr val="accent3">
                   <a:lumMod val="60000"/>
@@ -4180,11 +4085,15 @@
             <a:pPr algn="ctr"/>
             <a:r>
               <a:rPr lang="en-US" altLang="zh-TW" sz="1200" dirty="0" smtClean="0"/>
-              <a:t>r</a:t>
+              <a:t>refer to </a:t>
             </a:r>
             <a:r>
               <a:rPr lang="en-US" altLang="zh-TW" sz="1200" dirty="0" smtClean="0"/>
-              <a:t>efer to $this</a:t>
+              <a:t> </a:t>
+            </a:r>
+            <a:r>
+              <a:rPr lang="en-US" altLang="zh-TW" sz="1200" dirty="0" smtClean="0"/>
+              <a:t>instance A</a:t>
             </a:r>
             <a:endParaRPr lang="zh-TW" altLang="en-US" sz="1200" dirty="0"/>
           </a:p>
@@ -4198,8 +4107,8 @@
         </p:nvSpPr>
         <p:spPr>
           <a:xfrm>
-            <a:off x="6186656" y="1340768"/>
-            <a:ext cx="640055" cy="307777"/>
+            <a:off x="5724128" y="1340768"/>
+            <a:ext cx="1872208" cy="307777"/>
           </a:xfrm>
           <a:prstGeom prst="rect">
             <a:avLst/>
@@ -4221,7 +4130,18 @@
                   </a:schemeClr>
                 </a:solidFill>
               </a:rPr>
-              <a:t>$this</a:t>
+              <a:t>$</a:t>
+            </a:r>
+            <a:r>
+              <a:rPr lang="en-US" altLang="zh-TW" sz="1400" dirty="0" smtClean="0">
+                <a:solidFill>
+                  <a:schemeClr val="accent3">
+                    <a:lumMod val="60000"/>
+                    <a:lumOff val="40000"/>
+                  </a:schemeClr>
+                </a:solidFill>
+              </a:rPr>
+              <a:t>this ( instance A )</a:t>
             </a:r>
             <a:endParaRPr lang="zh-TW" altLang="en-US" sz="1400" dirty="0">
               <a:solidFill>
@@ -4242,8 +4162,8 @@
         </p:nvSpPr>
         <p:spPr>
           <a:xfrm>
-            <a:off x="7116052" y="3573016"/>
-            <a:ext cx="655668" cy="307777"/>
+            <a:off x="6660232" y="3573016"/>
+            <a:ext cx="1512168" cy="307777"/>
           </a:xfrm>
           <a:prstGeom prst="rect">
             <a:avLst/>
@@ -4265,7 +4185,40 @@
                   </a:schemeClr>
                 </a:solidFill>
               </a:rPr>
-              <a:t>$this</a:t>
+              <a:t>$</a:t>
+            </a:r>
+            <a:r>
+              <a:rPr lang="en-US" altLang="zh-TW" sz="1400" dirty="0" smtClean="0">
+                <a:solidFill>
+                  <a:schemeClr val="accent3">
+                    <a:lumMod val="60000"/>
+                    <a:lumOff val="40000"/>
+                  </a:schemeClr>
+                </a:solidFill>
+              </a:rPr>
+              <a:t>this ( </a:t>
+            </a:r>
+            <a:r>
+              <a:rPr lang="en-US" altLang="zh-TW" sz="1400" dirty="0" smtClean="0">
+                <a:solidFill>
+                  <a:schemeClr val="accent3">
+                    <a:lumMod val="60000"/>
+                    <a:lumOff val="40000"/>
+                  </a:schemeClr>
+                </a:solidFill>
+              </a:rPr>
+              <a:t>instance </a:t>
+            </a:r>
+            <a:r>
+              <a:rPr lang="en-US" altLang="zh-TW" sz="1400" dirty="0" smtClean="0">
+                <a:solidFill>
+                  <a:schemeClr val="accent3">
+                    <a:lumMod val="60000"/>
+                    <a:lumOff val="40000"/>
+                  </a:schemeClr>
+                </a:solidFill>
+              </a:rPr>
+              <a:t>B )</a:t>
             </a:r>
             <a:endParaRPr lang="zh-TW" altLang="en-US" sz="1400" dirty="0">
               <a:solidFill>
@@ -4324,11 +4277,15 @@
             <a:pPr algn="ctr"/>
             <a:r>
               <a:rPr lang="en-US" altLang="zh-TW" sz="1200" dirty="0" smtClean="0"/>
-              <a:t> </a:t>
+              <a:t> refer </a:t>
             </a:r>
             <a:r>
               <a:rPr lang="en-US" altLang="zh-TW" sz="1200" dirty="0" smtClean="0"/>
-              <a:t>refer to $this</a:t>
+              <a:t>to instance </a:t>
+            </a:r>
+            <a:r>
+              <a:rPr lang="en-US" altLang="zh-TW" sz="1200" dirty="0" smtClean="0"/>
+              <a:t>A</a:t>
             </a:r>
             <a:endParaRPr lang="zh-TW" altLang="en-US" sz="1200" dirty="0"/>
           </a:p>
@@ -4380,11 +4337,11 @@
             <a:pPr algn="ctr"/>
             <a:r>
               <a:rPr lang="en-US" altLang="zh-TW" sz="1200" dirty="0" smtClean="0"/>
-              <a:t> </a:t>
+              <a:t> refer to </a:t>
             </a:r>
             <a:r>
               <a:rPr lang="en-US" altLang="zh-TW" sz="1200" dirty="0" smtClean="0"/>
-              <a:t>refer to $this</a:t>
+              <a:t>instance B</a:t>
             </a:r>
             <a:endParaRPr lang="zh-TW" altLang="en-US" sz="1200" dirty="0"/>
           </a:p>
@@ -4510,7 +4467,7 @@
     </p:spTree>
     <p:extLst>
       <p:ext uri="{BB962C8B-B14F-4D97-AF65-F5344CB8AC3E}">
-        <p14:creationId xmlns="" xmlns:p14="http://schemas.microsoft.com/office/powerpoint/2010/main" val="3418466864"/>
+        <p14:creationId xmlns:p14="http://schemas.microsoft.com/office/powerpoint/2010/main" xmlns="" val="3418466864"/>
       </p:ext>
     </p:extLst>
   </p:cSld>

--- a/php/phpMVC/物件概念.pptx
+++ b/php/phpMVC/物件概念.pptx
@@ -6,6 +6,10 @@
   </p:sldMasterIdLst>
   <p:sldIdLst>
     <p:sldId id="256" r:id="rId2"/>
+    <p:sldId id="257" r:id="rId3"/>
+    <p:sldId id="258" r:id="rId4"/>
+    <p:sldId id="259" r:id="rId5"/>
+    <p:sldId id="260" r:id="rId6"/>
   </p:sldIdLst>
   <p:sldSz cx="9144000" cy="6858000" type="screen4x3"/>
   <p:notesSz cx="6858000" cy="9144000"/>
@@ -289,7 +293,7 @@
             <a:fld id="{5BBEAD13-0566-4C6C-97E7-55F17F24B09F}" type="datetimeFigureOut">
               <a:rPr lang="zh-TW" altLang="en-US" smtClean="0"/>
               <a:pPr/>
-              <a:t>2016/7/1</a:t>
+              <a:t>2016/7/6</a:t>
             </a:fld>
             <a:endParaRPr lang="zh-TW" altLang="en-US"/>
           </a:p>
@@ -456,7 +460,7 @@
             <a:fld id="{5BBEAD13-0566-4C6C-97E7-55F17F24B09F}" type="datetimeFigureOut">
               <a:rPr lang="zh-TW" altLang="en-US" smtClean="0"/>
               <a:pPr/>
-              <a:t>2016/7/1</a:t>
+              <a:t>2016/7/6</a:t>
             </a:fld>
             <a:endParaRPr lang="zh-TW" altLang="en-US"/>
           </a:p>
@@ -633,7 +637,7 @@
             <a:fld id="{5BBEAD13-0566-4C6C-97E7-55F17F24B09F}" type="datetimeFigureOut">
               <a:rPr lang="zh-TW" altLang="en-US" smtClean="0"/>
               <a:pPr/>
-              <a:t>2016/7/1</a:t>
+              <a:t>2016/7/6</a:t>
             </a:fld>
             <a:endParaRPr lang="zh-TW" altLang="en-US"/>
           </a:p>
@@ -800,7 +804,7 @@
             <a:fld id="{5BBEAD13-0566-4C6C-97E7-55F17F24B09F}" type="datetimeFigureOut">
               <a:rPr lang="zh-TW" altLang="en-US" smtClean="0"/>
               <a:pPr/>
-              <a:t>2016/7/1</a:t>
+              <a:t>2016/7/6</a:t>
             </a:fld>
             <a:endParaRPr lang="zh-TW" altLang="en-US"/>
           </a:p>
@@ -1043,7 +1047,7 @@
             <a:fld id="{5BBEAD13-0566-4C6C-97E7-55F17F24B09F}" type="datetimeFigureOut">
               <a:rPr lang="zh-TW" altLang="en-US" smtClean="0"/>
               <a:pPr/>
-              <a:t>2016/7/1</a:t>
+              <a:t>2016/7/6</a:t>
             </a:fld>
             <a:endParaRPr lang="zh-TW" altLang="en-US"/>
           </a:p>
@@ -1328,7 +1332,7 @@
             <a:fld id="{5BBEAD13-0566-4C6C-97E7-55F17F24B09F}" type="datetimeFigureOut">
               <a:rPr lang="zh-TW" altLang="en-US" smtClean="0"/>
               <a:pPr/>
-              <a:t>2016/7/1</a:t>
+              <a:t>2016/7/6</a:t>
             </a:fld>
             <a:endParaRPr lang="zh-TW" altLang="en-US"/>
           </a:p>
@@ -1747,7 +1751,7 @@
             <a:fld id="{5BBEAD13-0566-4C6C-97E7-55F17F24B09F}" type="datetimeFigureOut">
               <a:rPr lang="zh-TW" altLang="en-US" smtClean="0"/>
               <a:pPr/>
-              <a:t>2016/7/1</a:t>
+              <a:t>2016/7/6</a:t>
             </a:fld>
             <a:endParaRPr lang="zh-TW" altLang="en-US"/>
           </a:p>
@@ -1862,7 +1866,7 @@
             <a:fld id="{5BBEAD13-0566-4C6C-97E7-55F17F24B09F}" type="datetimeFigureOut">
               <a:rPr lang="zh-TW" altLang="en-US" smtClean="0"/>
               <a:pPr/>
-              <a:t>2016/7/1</a:t>
+              <a:t>2016/7/6</a:t>
             </a:fld>
             <a:endParaRPr lang="zh-TW" altLang="en-US"/>
           </a:p>
@@ -1954,7 +1958,7 @@
             <a:fld id="{5BBEAD13-0566-4C6C-97E7-55F17F24B09F}" type="datetimeFigureOut">
               <a:rPr lang="zh-TW" altLang="en-US" smtClean="0"/>
               <a:pPr/>
-              <a:t>2016/7/1</a:t>
+              <a:t>2016/7/6</a:t>
             </a:fld>
             <a:endParaRPr lang="zh-TW" altLang="en-US"/>
           </a:p>
@@ -2228,7 +2232,7 @@
             <a:fld id="{5BBEAD13-0566-4C6C-97E7-55F17F24B09F}" type="datetimeFigureOut">
               <a:rPr lang="zh-TW" altLang="en-US" smtClean="0"/>
               <a:pPr/>
-              <a:t>2016/7/1</a:t>
+              <a:t>2016/7/6</a:t>
             </a:fld>
             <a:endParaRPr lang="zh-TW" altLang="en-US"/>
           </a:p>
@@ -2478,7 +2482,7 @@
             <a:fld id="{5BBEAD13-0566-4C6C-97E7-55F17F24B09F}" type="datetimeFigureOut">
               <a:rPr lang="zh-TW" altLang="en-US" smtClean="0"/>
               <a:pPr/>
-              <a:t>2016/7/1</a:t>
+              <a:t>2016/7/6</a:t>
             </a:fld>
             <a:endParaRPr lang="zh-TW" altLang="en-US"/>
           </a:p>
@@ -2688,7 +2692,7 @@
             <a:fld id="{5BBEAD13-0566-4C6C-97E7-55F17F24B09F}" type="datetimeFigureOut">
               <a:rPr lang="zh-TW" altLang="en-US" smtClean="0"/>
               <a:pPr/>
-              <a:t>2016/7/1</a:t>
+              <a:t>2016/7/6</a:t>
             </a:fld>
             <a:endParaRPr lang="zh-TW" altLang="en-US"/>
           </a:p>
@@ -3138,7 +3142,7 @@
         <p:spPr>
           <a:xfrm>
             <a:off x="0" y="188640"/>
-            <a:ext cx="5076056" cy="5478423"/>
+            <a:ext cx="5076056" cy="5909310"/>
           </a:xfrm>
           <a:prstGeom prst="rect">
             <a:avLst/>
@@ -3168,21 +3172,37 @@
           <a:p>
             <a:r>
               <a:rPr lang="en-US" altLang="zh-TW" sz="1400" dirty="0"/>
-              <a:t>//public:</a:t>
+              <a:t>//public</a:t>
+            </a:r>
+            <a:r>
+              <a:rPr lang="en-US" altLang="zh-TW" sz="1400" dirty="0" smtClean="0"/>
+              <a:t>:</a:t>
+            </a:r>
+            <a:r>
+              <a:rPr lang="zh-TW" altLang="en-US" sz="1400" dirty="0" smtClean="0"/>
+              <a:t>可</a:t>
             </a:r>
             <a:r>
               <a:rPr lang="zh-TW" altLang="en-US" sz="1400" dirty="0"/>
-              <a:t>可從外部存取</a:t>
+              <a:t>從外部存取</a:t>
             </a:r>
           </a:p>
           <a:p>
             <a:r>
               <a:rPr lang="en-US" altLang="zh-TW" sz="1400" dirty="0"/>
-              <a:t>//protected:</a:t>
+              <a:t>//protected</a:t>
+            </a:r>
+            <a:r>
+              <a:rPr lang="en-US" altLang="zh-TW" sz="1400" dirty="0" smtClean="0"/>
+              <a:t>:</a:t>
+            </a:r>
+            <a:r>
+              <a:rPr lang="zh-TW" altLang="en-US" sz="1400" dirty="0" smtClean="0"/>
+              <a:t>不可</a:t>
             </a:r>
             <a:r>
               <a:rPr lang="zh-TW" altLang="en-US" sz="1400" dirty="0"/>
-              <a:t>不可從外部存取</a:t>
+              <a:t>從外部存取</a:t>
             </a:r>
             <a:r>
               <a:rPr lang="zh-TW" altLang="en-US" sz="1400" dirty="0" smtClean="0"/>
@@ -3193,17 +3213,55 @@
           <a:p>
             <a:r>
               <a:rPr lang="en-US" altLang="zh-TW" sz="1400" dirty="0"/>
-              <a:t>//private:</a:t>
+              <a:t>//private</a:t>
+            </a:r>
+            <a:r>
+              <a:rPr lang="en-US" altLang="zh-TW" sz="1400" dirty="0" smtClean="0"/>
+              <a:t>:</a:t>
+            </a:r>
+            <a:r>
+              <a:rPr lang="zh-TW" altLang="en-US" sz="1400" dirty="0" smtClean="0"/>
+              <a:t>不可</a:t>
             </a:r>
             <a:r>
               <a:rPr lang="zh-TW" altLang="en-US" sz="1400" dirty="0"/>
-              <a:t>不可從外部存取</a:t>
+              <a:t>從外部存取</a:t>
             </a:r>
             <a:r>
               <a:rPr lang="zh-TW" altLang="en-US" sz="1400" dirty="0" smtClean="0"/>
-              <a:t>，無法被繼承</a:t>
+              <a:t>，</a:t>
+            </a:r>
+            <a:r>
+              <a:rPr lang="zh-TW" altLang="en-US" sz="1400" dirty="0"/>
+              <a:t>可</a:t>
+            </a:r>
+            <a:r>
+              <a:rPr lang="zh-TW" altLang="en-US" sz="1400" dirty="0" smtClean="0"/>
+              <a:t>被繼承，</a:t>
             </a:r>
             <a:endParaRPr lang="en-US" altLang="zh-TW" sz="1400" dirty="0" smtClean="0"/>
+          </a:p>
+          <a:p>
+            <a:r>
+              <a:rPr lang="en-US" altLang="zh-TW" sz="1400" dirty="0" smtClean="0"/>
+              <a:t>//</a:t>
+            </a:r>
+            <a:r>
+              <a:rPr lang="zh-TW" altLang="en-US" sz="1400" dirty="0" smtClean="0"/>
+              <a:t>子類別內部亦不可存取，只能透過從原類別</a:t>
+            </a:r>
+            <a:endParaRPr lang="en-US" altLang="zh-TW" sz="1400" dirty="0" smtClean="0"/>
+          </a:p>
+          <a:p>
+            <a:r>
+              <a:rPr lang="en-US" altLang="zh-TW" sz="1400" dirty="0" smtClean="0"/>
+              <a:t>//</a:t>
+            </a:r>
+            <a:r>
+              <a:rPr lang="zh-TW" altLang="en-US" sz="1400" dirty="0" smtClean="0"/>
+              <a:t>繼承來的存取方法進行存取</a:t>
+            </a:r>
+            <a:endParaRPr lang="en-US" altLang="zh-TW" sz="1400" dirty="0"/>
           </a:p>
           <a:p>
             <a:endParaRPr lang="en-US" altLang="zh-TW" sz="1400" dirty="0" smtClean="0"/>
@@ -3240,11 +3298,7 @@
           <a:p>
             <a:r>
               <a:rPr lang="en-US" altLang="zh-TW" sz="1400" dirty="0" smtClean="0"/>
-              <a:t> </a:t>
-            </a:r>
-            <a:r>
-              <a:rPr lang="en-US" altLang="zh-TW" sz="1400" dirty="0" smtClean="0"/>
-              <a:t>   private $example;</a:t>
+              <a:t>    private $example;</a:t>
             </a:r>
             <a:endParaRPr lang="en-US" altLang="zh-TW" sz="1400" dirty="0"/>
           </a:p>
@@ -3952,11 +4006,7 @@
           <a:p>
             <a:r>
               <a:rPr lang="en-US" altLang="zh-TW" sz="1200" dirty="0" smtClean="0"/>
-              <a:t>$name / CF33FF</a:t>
-            </a:r>
-            <a:r>
-              <a:rPr lang="en-US" altLang="zh-TW" sz="1200" dirty="0" smtClean="0"/>
-              <a:t>… / ‘</a:t>
+              <a:t>$name / CF33FF… / ‘</a:t>
             </a:r>
             <a:r>
               <a:rPr lang="en-US" altLang="zh-TW" sz="1200" dirty="0" err="1" smtClean="0"/>
@@ -3966,16 +4016,11 @@
               <a:rPr lang="en-US" altLang="zh-TW" sz="1200" dirty="0" smtClean="0"/>
               <a:t>’</a:t>
             </a:r>
-            <a:endParaRPr lang="en-US" altLang="zh-TW" sz="1200" dirty="0" smtClean="0"/>
           </a:p>
           <a:p>
             <a:r>
               <a:rPr lang="en-US" altLang="zh-TW" sz="1200" dirty="0" smtClean="0"/>
-              <a:t>$</a:t>
-            </a:r>
-            <a:r>
-              <a:rPr lang="en-US" altLang="zh-TW" sz="1200" dirty="0" smtClean="0"/>
-              <a:t>position / CFD3FF…</a:t>
+              <a:t>$position / CFD3FF…</a:t>
             </a:r>
           </a:p>
           <a:p>
@@ -3985,13 +4030,8 @@
             </a:r>
             <a:r>
               <a:rPr lang="en-US" altLang="zh-TW" sz="1200" dirty="0" smtClean="0"/>
-              <a:t> / CFE3FF</a:t>
-            </a:r>
-            <a:r>
-              <a:rPr lang="en-US" altLang="zh-TW" sz="1200" dirty="0" smtClean="0"/>
-              <a:t>…</a:t>
-            </a:r>
-            <a:endParaRPr lang="en-US" altLang="zh-TW" sz="1200" dirty="0" smtClean="0"/>
+              <a:t> / CFE3FF…</a:t>
+            </a:r>
           </a:p>
         </p:txBody>
       </p:sp>
@@ -4085,15 +4125,7 @@
             <a:pPr algn="ctr"/>
             <a:r>
               <a:rPr lang="en-US" altLang="zh-TW" sz="1200" dirty="0" smtClean="0"/>
-              <a:t>refer to </a:t>
-            </a:r>
-            <a:r>
-              <a:rPr lang="en-US" altLang="zh-TW" sz="1200" dirty="0" smtClean="0"/>
-              <a:t> </a:t>
-            </a:r>
-            <a:r>
-              <a:rPr lang="en-US" altLang="zh-TW" sz="1200" dirty="0" smtClean="0"/>
-              <a:t>instance A</a:t>
+              <a:t>refer to  instance A</a:t>
             </a:r>
             <a:endParaRPr lang="zh-TW" altLang="en-US" sz="1200" dirty="0"/>
           </a:p>
@@ -4130,18 +4162,7 @@
                   </a:schemeClr>
                 </a:solidFill>
               </a:rPr>
-              <a:t>$</a:t>
-            </a:r>
-            <a:r>
-              <a:rPr lang="en-US" altLang="zh-TW" sz="1400" dirty="0" smtClean="0">
-                <a:solidFill>
-                  <a:schemeClr val="accent3">
-                    <a:lumMod val="60000"/>
-                    <a:lumOff val="40000"/>
-                  </a:schemeClr>
-                </a:solidFill>
-              </a:rPr>
-              <a:t>this ( instance A )</a:t>
+              <a:t>$this ( instance A )</a:t>
             </a:r>
             <a:endParaRPr lang="zh-TW" altLang="en-US" sz="1400" dirty="0">
               <a:solidFill>
@@ -4185,40 +4206,7 @@
                   </a:schemeClr>
                 </a:solidFill>
               </a:rPr>
-              <a:t>$</a:t>
-            </a:r>
-            <a:r>
-              <a:rPr lang="en-US" altLang="zh-TW" sz="1400" dirty="0" smtClean="0">
-                <a:solidFill>
-                  <a:schemeClr val="accent3">
-                    <a:lumMod val="60000"/>
-                    <a:lumOff val="40000"/>
-                  </a:schemeClr>
-                </a:solidFill>
-              </a:rPr>
-              <a:t>this ( </a:t>
-            </a:r>
-            <a:r>
-              <a:rPr lang="en-US" altLang="zh-TW" sz="1400" dirty="0" smtClean="0">
-                <a:solidFill>
-                  <a:schemeClr val="accent3">
-                    <a:lumMod val="60000"/>
-                    <a:lumOff val="40000"/>
-                  </a:schemeClr>
-                </a:solidFill>
-              </a:rPr>
-              <a:t>instance </a:t>
-            </a:r>
-            <a:r>
-              <a:rPr lang="en-US" altLang="zh-TW" sz="1400" dirty="0" smtClean="0">
-                <a:solidFill>
-                  <a:schemeClr val="accent3">
-                    <a:lumMod val="60000"/>
-                    <a:lumOff val="40000"/>
-                  </a:schemeClr>
-                </a:solidFill>
-              </a:rPr>
-              <a:t>B )</a:t>
+              <a:t>$this ( instance B )</a:t>
             </a:r>
             <a:endParaRPr lang="zh-TW" altLang="en-US" sz="1400" dirty="0">
               <a:solidFill>
@@ -4277,15 +4265,7 @@
             <a:pPr algn="ctr"/>
             <a:r>
               <a:rPr lang="en-US" altLang="zh-TW" sz="1200" dirty="0" smtClean="0"/>
-              <a:t> refer </a:t>
-            </a:r>
-            <a:r>
-              <a:rPr lang="en-US" altLang="zh-TW" sz="1200" dirty="0" smtClean="0"/>
-              <a:t>to instance </a:t>
-            </a:r>
-            <a:r>
-              <a:rPr lang="en-US" altLang="zh-TW" sz="1200" dirty="0" smtClean="0"/>
-              <a:t>A</a:t>
+              <a:t> refer to instance A</a:t>
             </a:r>
             <a:endParaRPr lang="zh-TW" altLang="en-US" sz="1200" dirty="0"/>
           </a:p>
@@ -4337,11 +4317,7 @@
             <a:pPr algn="ctr"/>
             <a:r>
               <a:rPr lang="en-US" altLang="zh-TW" sz="1200" dirty="0" smtClean="0"/>
-              <a:t> refer to </a:t>
-            </a:r>
-            <a:r>
-              <a:rPr lang="en-US" altLang="zh-TW" sz="1200" dirty="0" smtClean="0"/>
-              <a:t>instance B</a:t>
+              <a:t> refer to instance B</a:t>
             </a:r>
             <a:endParaRPr lang="zh-TW" altLang="en-US" sz="1200" dirty="0"/>
           </a:p>
@@ -4467,7 +4443,7 @@
     </p:spTree>
     <p:extLst>
       <p:ext uri="{BB962C8B-B14F-4D97-AF65-F5344CB8AC3E}">
-        <p14:creationId xmlns:p14="http://schemas.microsoft.com/office/powerpoint/2010/main" xmlns="" val="3418466864"/>
+        <p14:creationId xmlns:p14="http://schemas.microsoft.com/office/powerpoint/2010/main" val="3418466864"/>
       </p:ext>
     </p:extLst>
   </p:cSld>
@@ -4481,6 +4457,856 @@
       </p:par>
     </p:tnLst>
   </p:timing>
+</p:sld>
+</file>
+
+<file path=ppt/slides/slide2.xml><?xml version="1.0" encoding="utf-8"?>
+<p:sld xmlns:a="http://schemas.openxmlformats.org/drawingml/2006/main" xmlns:r="http://schemas.openxmlformats.org/officeDocument/2006/relationships" xmlns:p="http://schemas.openxmlformats.org/presentationml/2006/main">
+  <p:cSld>
+    <p:spTree>
+      <p:nvGrpSpPr>
+        <p:cNvPr id="1" name=""/>
+        <p:cNvGrpSpPr/>
+        <p:nvPr/>
+      </p:nvGrpSpPr>
+      <p:grpSpPr>
+        <a:xfrm>
+          <a:off x="0" y="0"/>
+          <a:ext cx="0" cy="0"/>
+          <a:chOff x="0" y="0"/>
+          <a:chExt cx="0" cy="0"/>
+        </a:xfrm>
+      </p:grpSpPr>
+      <p:sp>
+        <p:nvSpPr>
+          <p:cNvPr id="2" name="標題 1"/>
+          <p:cNvSpPr>
+            <a:spLocks noGrp="1"/>
+          </p:cNvSpPr>
+          <p:nvPr>
+            <p:ph type="title"/>
+          </p:nvPr>
+        </p:nvSpPr>
+        <p:spPr/>
+        <p:txBody>
+          <a:bodyPr/>
+          <a:lstStyle/>
+          <a:p>
+            <a:r>
+              <a:rPr lang="en-US" altLang="zh-TW" dirty="0" smtClean="0"/>
+              <a:t>Static</a:t>
+            </a:r>
+            <a:r>
+              <a:rPr lang="zh-TW" altLang="en-US" dirty="0" smtClean="0"/>
+              <a:t>關鍵字</a:t>
+            </a:r>
+            <a:endParaRPr lang="zh-TW" altLang="en-US" dirty="0"/>
+          </a:p>
+        </p:txBody>
+      </p:sp>
+      <p:sp>
+        <p:nvSpPr>
+          <p:cNvPr id="3" name="內容版面配置區 2"/>
+          <p:cNvSpPr>
+            <a:spLocks noGrp="1"/>
+          </p:cNvSpPr>
+          <p:nvPr>
+            <p:ph idx="1"/>
+          </p:nvPr>
+        </p:nvSpPr>
+        <p:spPr/>
+        <p:txBody>
+          <a:bodyPr>
+            <a:normAutofit lnSpcReduction="10000"/>
+          </a:bodyPr>
+          <a:lstStyle/>
+          <a:p>
+            <a:pPr marL="0" indent="0">
+              <a:buNone/>
+            </a:pPr>
+            <a:r>
+              <a:rPr lang="en-US" altLang="zh-TW" dirty="0" smtClean="0"/>
+              <a:t>//</a:t>
+            </a:r>
+            <a:r>
+              <a:rPr lang="zh-TW" altLang="en-US" dirty="0" smtClean="0"/>
+              <a:t>定義類別時即</a:t>
+            </a:r>
+            <a:r>
+              <a:rPr lang="zh-TW" altLang="en-US" dirty="0"/>
+              <a:t>存在於記憶體</a:t>
+            </a:r>
+            <a:endParaRPr lang="en-US" altLang="zh-TW" dirty="0"/>
+          </a:p>
+          <a:p>
+            <a:pPr marL="0" indent="0">
+              <a:buNone/>
+            </a:pPr>
+            <a:r>
+              <a:rPr lang="en-US" altLang="zh-TW" dirty="0"/>
+              <a:t>//</a:t>
+            </a:r>
+            <a:r>
+              <a:rPr lang="zh-TW" altLang="en-US" dirty="0"/>
+              <a:t>實體化</a:t>
+            </a:r>
+            <a:r>
+              <a:rPr lang="zh-TW" altLang="en-US" dirty="0" smtClean="0"/>
+              <a:t>時不會</a:t>
+            </a:r>
+            <a:r>
+              <a:rPr lang="zh-TW" altLang="en-US" dirty="0"/>
+              <a:t>分配新的記憶體</a:t>
+            </a:r>
+            <a:endParaRPr lang="en-US" altLang="zh-TW" dirty="0"/>
+          </a:p>
+          <a:p>
+            <a:pPr marL="0" indent="0">
+              <a:buNone/>
+            </a:pPr>
+            <a:r>
+              <a:rPr lang="en-US" altLang="zh-TW" dirty="0"/>
+              <a:t>//</a:t>
+            </a:r>
+            <a:r>
+              <a:rPr lang="zh-TW" altLang="en-US" dirty="0"/>
+              <a:t>而是產生指標，指向相同的位址</a:t>
+            </a:r>
+            <a:endParaRPr lang="en-US" altLang="zh-TW" dirty="0"/>
+          </a:p>
+          <a:p>
+            <a:pPr marL="0" indent="0">
+              <a:buNone/>
+            </a:pPr>
+            <a:r>
+              <a:rPr lang="en-US" altLang="zh-TW" dirty="0"/>
+              <a:t>//</a:t>
+            </a:r>
+            <a:r>
+              <a:rPr lang="zh-TW" altLang="en-US" dirty="0" smtClean="0"/>
+              <a:t>所以對</a:t>
+            </a:r>
+            <a:r>
+              <a:rPr lang="en-US" altLang="zh-TW" dirty="0"/>
+              <a:t>static</a:t>
+            </a:r>
+            <a:r>
+              <a:rPr lang="zh-TW" altLang="en-US" dirty="0"/>
+              <a:t>屬性做的變動</a:t>
+            </a:r>
+            <a:endParaRPr lang="en-US" altLang="zh-TW" dirty="0"/>
+          </a:p>
+          <a:p>
+            <a:pPr marL="0" indent="0">
+              <a:buNone/>
+            </a:pPr>
+            <a:r>
+              <a:rPr lang="en-US" altLang="zh-TW" dirty="0"/>
+              <a:t>//</a:t>
+            </a:r>
+            <a:r>
+              <a:rPr lang="zh-TW" altLang="en-US" dirty="0"/>
+              <a:t>所有既存實體也會受</a:t>
+            </a:r>
+            <a:r>
+              <a:rPr lang="zh-TW" altLang="en-US" dirty="0" smtClean="0"/>
+              <a:t>影響</a:t>
+            </a:r>
+            <a:endParaRPr lang="en-US" altLang="zh-TW" dirty="0" smtClean="0"/>
+          </a:p>
+          <a:p>
+            <a:pPr marL="0" indent="0">
+              <a:buNone/>
+            </a:pPr>
+            <a:r>
+              <a:rPr lang="en-US" altLang="zh-TW" dirty="0" smtClean="0"/>
+              <a:t>//</a:t>
+            </a:r>
+            <a:r>
+              <a:rPr lang="zh-TW" altLang="en-US" dirty="0" smtClean="0"/>
+              <a:t>類似</a:t>
+            </a:r>
+            <a:r>
+              <a:rPr lang="en-US" altLang="zh-TW" dirty="0" smtClean="0"/>
+              <a:t>global</a:t>
+            </a:r>
+            <a:r>
+              <a:rPr lang="zh-TW" altLang="en-US" dirty="0" smtClean="0"/>
+              <a:t>共用變數</a:t>
+            </a:r>
+            <a:endParaRPr lang="en-US" altLang="zh-TW" dirty="0" smtClean="0"/>
+          </a:p>
+          <a:p>
+            <a:pPr marL="0" indent="0">
+              <a:buNone/>
+            </a:pPr>
+            <a:r>
+              <a:rPr lang="en-US" altLang="zh-TW" dirty="0" smtClean="0"/>
+              <a:t>//</a:t>
+            </a:r>
+            <a:r>
+              <a:rPr lang="zh-TW" altLang="en-US" dirty="0" smtClean="0"/>
+              <a:t>針對一些不需被各自獨立的屬性或方法設定</a:t>
+            </a:r>
+            <a:r>
+              <a:rPr lang="en-US" altLang="zh-TW" dirty="0" smtClean="0"/>
+              <a:t>static</a:t>
+            </a:r>
+            <a:r>
+              <a:rPr lang="zh-TW" altLang="en-US" dirty="0" smtClean="0"/>
+              <a:t>，可以避免不必要的</a:t>
+            </a:r>
+            <a:r>
+              <a:rPr lang="en-US" altLang="zh-TW" dirty="0" smtClean="0"/>
+              <a:t>copy</a:t>
+            </a:r>
+            <a:endParaRPr lang="en-US" altLang="zh-TW" dirty="0"/>
+          </a:p>
+          <a:p>
+            <a:pPr marL="0" indent="0">
+              <a:buNone/>
+            </a:pPr>
+            <a:endParaRPr lang="zh-TW" altLang="en-US" dirty="0"/>
+          </a:p>
+        </p:txBody>
+      </p:sp>
+    </p:spTree>
+    <p:extLst>
+      <p:ext uri="{BB962C8B-B14F-4D97-AF65-F5344CB8AC3E}">
+        <p14:creationId xmlns:p14="http://schemas.microsoft.com/office/powerpoint/2010/main" val="3093952611"/>
+      </p:ext>
+    </p:extLst>
+  </p:cSld>
+  <p:clrMapOvr>
+    <a:masterClrMapping/>
+  </p:clrMapOvr>
+</p:sld>
+</file>
+
+<file path=ppt/slides/slide3.xml><?xml version="1.0" encoding="utf-8"?>
+<p:sld xmlns:a="http://schemas.openxmlformats.org/drawingml/2006/main" xmlns:r="http://schemas.openxmlformats.org/officeDocument/2006/relationships" xmlns:p="http://schemas.openxmlformats.org/presentationml/2006/main">
+  <p:cSld>
+    <p:spTree>
+      <p:nvGrpSpPr>
+        <p:cNvPr id="1" name=""/>
+        <p:cNvGrpSpPr/>
+        <p:nvPr/>
+      </p:nvGrpSpPr>
+      <p:grpSpPr>
+        <a:xfrm>
+          <a:off x="0" y="0"/>
+          <a:ext cx="0" cy="0"/>
+          <a:chOff x="0" y="0"/>
+          <a:chExt cx="0" cy="0"/>
+        </a:xfrm>
+      </p:grpSpPr>
+      <p:sp>
+        <p:nvSpPr>
+          <p:cNvPr id="2" name="標題 1"/>
+          <p:cNvSpPr>
+            <a:spLocks noGrp="1"/>
+          </p:cNvSpPr>
+          <p:nvPr>
+            <p:ph type="title"/>
+          </p:nvPr>
+        </p:nvSpPr>
+        <p:spPr/>
+        <p:txBody>
+          <a:bodyPr/>
+          <a:lstStyle/>
+          <a:p>
+            <a:r>
+              <a:rPr lang="en-US" altLang="zh-TW" dirty="0" smtClean="0"/>
+              <a:t>interface</a:t>
+            </a:r>
+            <a:endParaRPr lang="zh-TW" altLang="en-US" dirty="0"/>
+          </a:p>
+        </p:txBody>
+      </p:sp>
+      <p:sp>
+        <p:nvSpPr>
+          <p:cNvPr id="3" name="內容版面配置區 2"/>
+          <p:cNvSpPr>
+            <a:spLocks noGrp="1"/>
+          </p:cNvSpPr>
+          <p:nvPr>
+            <p:ph idx="1"/>
+          </p:nvPr>
+        </p:nvSpPr>
+        <p:spPr/>
+        <p:txBody>
+          <a:bodyPr/>
+          <a:lstStyle/>
+          <a:p>
+            <a:pPr marL="0" indent="0">
+              <a:buNone/>
+            </a:pPr>
+            <a:r>
+              <a:rPr lang="en-US" altLang="zh-TW"/>
+              <a:t>http://missrices.pixnet.net/blog/post/28220534-%E4%BD%A0%E6%90%9E%E6%87%82%E6%8A%BD%E8%B1%A1%E9%A1%9E%E5%88%A5%E8%88%87%E4%BB%8B%E9%9D%A2%E4%BA%86%E5%97%8E%EF%BC%9F</a:t>
+            </a:r>
+            <a:endParaRPr lang="zh-TW" altLang="en-US"/>
+          </a:p>
+        </p:txBody>
+      </p:sp>
+    </p:spTree>
+    <p:extLst>
+      <p:ext uri="{BB962C8B-B14F-4D97-AF65-F5344CB8AC3E}">
+        <p14:creationId xmlns:p14="http://schemas.microsoft.com/office/powerpoint/2010/main" val="2458639192"/>
+      </p:ext>
+    </p:extLst>
+  </p:cSld>
+  <p:clrMapOvr>
+    <a:masterClrMapping/>
+  </p:clrMapOvr>
+</p:sld>
+</file>
+
+<file path=ppt/slides/slide4.xml><?xml version="1.0" encoding="utf-8"?>
+<p:sld xmlns:a="http://schemas.openxmlformats.org/drawingml/2006/main" xmlns:r="http://schemas.openxmlformats.org/officeDocument/2006/relationships" xmlns:p="http://schemas.openxmlformats.org/presentationml/2006/main">
+  <p:cSld>
+    <p:spTree>
+      <p:nvGrpSpPr>
+        <p:cNvPr id="1" name=""/>
+        <p:cNvGrpSpPr/>
+        <p:nvPr/>
+      </p:nvGrpSpPr>
+      <p:grpSpPr>
+        <a:xfrm>
+          <a:off x="0" y="0"/>
+          <a:ext cx="0" cy="0"/>
+          <a:chOff x="0" y="0"/>
+          <a:chExt cx="0" cy="0"/>
+        </a:xfrm>
+      </p:grpSpPr>
+      <p:sp>
+        <p:nvSpPr>
+          <p:cNvPr id="2" name="標題 1"/>
+          <p:cNvSpPr>
+            <a:spLocks noGrp="1"/>
+          </p:cNvSpPr>
+          <p:nvPr>
+            <p:ph type="title"/>
+          </p:nvPr>
+        </p:nvSpPr>
+        <p:spPr/>
+        <p:txBody>
+          <a:bodyPr/>
+          <a:lstStyle/>
+          <a:p>
+            <a:r>
+              <a:rPr lang="zh-TW" altLang="en-US" dirty="0" smtClean="0"/>
+              <a:t>參數型別限制</a:t>
+            </a:r>
+            <a:endParaRPr lang="zh-TW" altLang="en-US" dirty="0"/>
+          </a:p>
+        </p:txBody>
+      </p:sp>
+      <p:sp>
+        <p:nvSpPr>
+          <p:cNvPr id="3" name="內容版面配置區 2"/>
+          <p:cNvSpPr>
+            <a:spLocks noGrp="1"/>
+          </p:cNvSpPr>
+          <p:nvPr>
+            <p:ph idx="1"/>
+          </p:nvPr>
+        </p:nvSpPr>
+        <p:spPr/>
+        <p:txBody>
+          <a:bodyPr>
+            <a:normAutofit fontScale="62500" lnSpcReduction="20000"/>
+          </a:bodyPr>
+          <a:lstStyle/>
+          <a:p>
+            <a:pPr marL="0" indent="0">
+              <a:buNone/>
+            </a:pPr>
+            <a:r>
+              <a:rPr lang="en-US" altLang="zh-TW" dirty="0" smtClean="0"/>
+              <a:t>Class </a:t>
+            </a:r>
+            <a:r>
+              <a:rPr lang="en-US" altLang="zh-TW" dirty="0" err="1" smtClean="0"/>
+              <a:t>MyClassA</a:t>
+            </a:r>
+            <a:r>
+              <a:rPr lang="en-US" altLang="zh-TW" dirty="0" smtClean="0"/>
+              <a:t>{</a:t>
+            </a:r>
+          </a:p>
+          <a:p>
+            <a:pPr marL="0" indent="0">
+              <a:buNone/>
+            </a:pPr>
+            <a:r>
+              <a:rPr lang="en-US" altLang="zh-TW" dirty="0" smtClean="0"/>
+              <a:t>    public $name = ‘</a:t>
+            </a:r>
+            <a:r>
+              <a:rPr lang="en-US" altLang="zh-TW" dirty="0" err="1" smtClean="0"/>
+              <a:t>Ryu</a:t>
+            </a:r>
+            <a:r>
+              <a:rPr lang="en-US" altLang="zh-TW" dirty="0" smtClean="0"/>
+              <a:t>’;</a:t>
+            </a:r>
+            <a:endParaRPr lang="en-US" altLang="zh-TW" dirty="0"/>
+          </a:p>
+          <a:p>
+            <a:pPr marL="0" indent="0">
+              <a:buNone/>
+            </a:pPr>
+            <a:r>
+              <a:rPr lang="en-US" altLang="zh-TW" dirty="0" smtClean="0"/>
+              <a:t>}</a:t>
+            </a:r>
+          </a:p>
+          <a:p>
+            <a:pPr marL="0" indent="0">
+              <a:buNone/>
+            </a:pPr>
+            <a:r>
+              <a:rPr lang="en-US" altLang="zh-TW" dirty="0"/>
+              <a:t>Class </a:t>
+            </a:r>
+            <a:r>
+              <a:rPr lang="en-US" altLang="zh-TW" dirty="0" err="1" smtClean="0"/>
+              <a:t>MyClassB</a:t>
+            </a:r>
+            <a:r>
+              <a:rPr lang="en-US" altLang="zh-TW" dirty="0" smtClean="0"/>
+              <a:t>{</a:t>
+            </a:r>
+            <a:endParaRPr lang="en-US" altLang="zh-TW" dirty="0"/>
+          </a:p>
+          <a:p>
+            <a:pPr marL="0" indent="0">
+              <a:buNone/>
+            </a:pPr>
+            <a:r>
+              <a:rPr lang="en-US" altLang="zh-TW" dirty="0"/>
+              <a:t>    public $name = ‘</a:t>
+            </a:r>
+            <a:r>
+              <a:rPr lang="en-US" altLang="zh-TW" dirty="0" err="1"/>
+              <a:t>Ryu</a:t>
+            </a:r>
+            <a:r>
+              <a:rPr lang="en-US" altLang="zh-TW" dirty="0"/>
+              <a:t>’;</a:t>
+            </a:r>
+          </a:p>
+          <a:p>
+            <a:pPr marL="0" indent="0">
+              <a:buNone/>
+            </a:pPr>
+            <a:r>
+              <a:rPr lang="en-US" altLang="zh-TW" dirty="0"/>
+              <a:t>}</a:t>
+            </a:r>
+          </a:p>
+          <a:p>
+            <a:pPr marL="0" indent="0">
+              <a:buNone/>
+            </a:pPr>
+            <a:r>
+              <a:rPr lang="en-US" altLang="zh-TW" dirty="0" smtClean="0"/>
+              <a:t>//</a:t>
+            </a:r>
+            <a:r>
+              <a:rPr lang="zh-TW" altLang="en-US" dirty="0" smtClean="0"/>
+              <a:t>定義參數時加上型別前綴，可限制傳入的參數型別，限制的型別可以是自定義的類別</a:t>
+            </a:r>
+            <a:endParaRPr lang="en-US" altLang="zh-TW" dirty="0"/>
+          </a:p>
+          <a:p>
+            <a:pPr marL="0" indent="0">
+              <a:buNone/>
+            </a:pPr>
+            <a:r>
+              <a:rPr lang="en-US" altLang="zh-TW" dirty="0" smtClean="0"/>
+              <a:t>Function </a:t>
+            </a:r>
+            <a:r>
+              <a:rPr lang="en-US" altLang="zh-TW" dirty="0" err="1" smtClean="0"/>
+              <a:t>typeTest</a:t>
+            </a:r>
+            <a:r>
+              <a:rPr lang="en-US" altLang="zh-TW" dirty="0" smtClean="0"/>
+              <a:t>(</a:t>
+            </a:r>
+            <a:r>
+              <a:rPr lang="en-US" altLang="zh-TW" dirty="0" err="1" smtClean="0"/>
+              <a:t>MyClassA</a:t>
+            </a:r>
+            <a:r>
+              <a:rPr lang="en-US" altLang="zh-TW" dirty="0" smtClean="0"/>
+              <a:t> $para){</a:t>
+            </a:r>
+          </a:p>
+          <a:p>
+            <a:pPr marL="0" indent="0">
+              <a:buNone/>
+            </a:pPr>
+            <a:r>
+              <a:rPr lang="en-US" altLang="zh-TW" dirty="0" smtClean="0"/>
+              <a:t>    echo $para-&gt;name</a:t>
+            </a:r>
+            <a:endParaRPr lang="en-US" altLang="zh-TW" dirty="0"/>
+          </a:p>
+          <a:p>
+            <a:pPr marL="0" indent="0">
+              <a:buNone/>
+            </a:pPr>
+            <a:r>
+              <a:rPr lang="en-US" altLang="zh-TW" dirty="0" smtClean="0"/>
+              <a:t>}</a:t>
+            </a:r>
+          </a:p>
+          <a:p>
+            <a:pPr marL="0" indent="0">
+              <a:buNone/>
+            </a:pPr>
+            <a:endParaRPr lang="en-US" altLang="zh-TW" dirty="0"/>
+          </a:p>
+          <a:p>
+            <a:pPr marL="0" indent="0">
+              <a:buNone/>
+            </a:pPr>
+            <a:r>
+              <a:rPr lang="en-US" altLang="zh-TW" dirty="0" err="1" smtClean="0"/>
+              <a:t>typeTest</a:t>
+            </a:r>
+            <a:r>
+              <a:rPr lang="en-US" altLang="zh-TW" dirty="0" smtClean="0"/>
+              <a:t>(new </a:t>
+            </a:r>
+            <a:r>
+              <a:rPr lang="en-US" altLang="zh-TW" dirty="0" err="1" smtClean="0"/>
+              <a:t>MyClassA</a:t>
+            </a:r>
+            <a:r>
+              <a:rPr lang="en-US" altLang="zh-TW" dirty="0" smtClean="0"/>
+              <a:t>());//</a:t>
+            </a:r>
+            <a:r>
+              <a:rPr lang="zh-TW" altLang="en-US" dirty="0" smtClean="0"/>
+              <a:t>正常執行</a:t>
+            </a:r>
+            <a:endParaRPr lang="en-US" altLang="zh-TW" dirty="0" smtClean="0"/>
+          </a:p>
+          <a:p>
+            <a:pPr marL="0" indent="0">
+              <a:buNone/>
+            </a:pPr>
+            <a:r>
+              <a:rPr lang="en-US" altLang="zh-TW" dirty="0" err="1"/>
+              <a:t>typeTest</a:t>
+            </a:r>
+            <a:r>
+              <a:rPr lang="en-US" altLang="zh-TW" dirty="0"/>
+              <a:t>(new </a:t>
+            </a:r>
+            <a:r>
+              <a:rPr lang="en-US" altLang="zh-TW" dirty="0" err="1" smtClean="0"/>
+              <a:t>MyClassB</a:t>
+            </a:r>
+            <a:r>
+              <a:rPr lang="en-US" altLang="zh-TW" dirty="0" smtClean="0"/>
+              <a:t>());//</a:t>
+            </a:r>
+            <a:r>
+              <a:rPr lang="zh-TW" altLang="en-US" dirty="0" smtClean="0"/>
+              <a:t>提示參數型別錯誤</a:t>
+            </a:r>
+            <a:endParaRPr lang="en-US" altLang="zh-TW" dirty="0"/>
+          </a:p>
+          <a:p>
+            <a:pPr marL="0" indent="0">
+              <a:buNone/>
+            </a:pPr>
+            <a:endParaRPr lang="en-US" altLang="zh-TW" dirty="0" smtClean="0"/>
+          </a:p>
+        </p:txBody>
+      </p:sp>
+    </p:spTree>
+    <p:extLst>
+      <p:ext uri="{BB962C8B-B14F-4D97-AF65-F5344CB8AC3E}">
+        <p14:creationId xmlns:p14="http://schemas.microsoft.com/office/powerpoint/2010/main" val="2997381710"/>
+      </p:ext>
+    </p:extLst>
+  </p:cSld>
+  <p:clrMapOvr>
+    <a:masterClrMapping/>
+  </p:clrMapOvr>
+</p:sld>
+</file>
+
+<file path=ppt/slides/slide5.xml><?xml version="1.0" encoding="utf-8"?>
+<p:sld xmlns:a="http://schemas.openxmlformats.org/drawingml/2006/main" xmlns:r="http://schemas.openxmlformats.org/officeDocument/2006/relationships" xmlns:p="http://schemas.openxmlformats.org/presentationml/2006/main">
+  <p:cSld>
+    <p:spTree>
+      <p:nvGrpSpPr>
+        <p:cNvPr id="1" name=""/>
+        <p:cNvGrpSpPr/>
+        <p:nvPr/>
+      </p:nvGrpSpPr>
+      <p:grpSpPr>
+        <a:xfrm>
+          <a:off x="0" y="0"/>
+          <a:ext cx="0" cy="0"/>
+          <a:chOff x="0" y="0"/>
+          <a:chExt cx="0" cy="0"/>
+        </a:xfrm>
+      </p:grpSpPr>
+      <p:sp>
+        <p:nvSpPr>
+          <p:cNvPr id="3" name="內容版面配置區 2"/>
+          <p:cNvSpPr>
+            <a:spLocks noGrp="1"/>
+          </p:cNvSpPr>
+          <p:nvPr>
+            <p:ph idx="1"/>
+          </p:nvPr>
+        </p:nvSpPr>
+        <p:spPr>
+          <a:xfrm>
+            <a:off x="457200" y="1166019"/>
+            <a:ext cx="8229600" cy="4525963"/>
+          </a:xfrm>
+        </p:spPr>
+        <p:txBody>
+          <a:bodyPr>
+            <a:normAutofit fontScale="55000" lnSpcReduction="20000"/>
+          </a:bodyPr>
+          <a:lstStyle/>
+          <a:p>
+            <a:pPr marL="0" indent="0">
+              <a:buNone/>
+            </a:pPr>
+            <a:r>
+              <a:rPr lang="en-US" altLang="zh-TW" dirty="0" smtClean="0"/>
+              <a:t>function </a:t>
+            </a:r>
+            <a:r>
+              <a:rPr lang="en-US" altLang="zh-TW" dirty="0" err="1" smtClean="0"/>
+              <a:t>testCallable</a:t>
+            </a:r>
+            <a:r>
+              <a:rPr lang="en-US" altLang="zh-TW" dirty="0" smtClean="0"/>
+              <a:t> (callable $callback){</a:t>
+            </a:r>
+          </a:p>
+          <a:p>
+            <a:pPr marL="0" indent="0">
+              <a:buNone/>
+            </a:pPr>
+            <a:r>
+              <a:rPr lang="en-US" altLang="zh-TW" dirty="0"/>
+              <a:t>	</a:t>
+            </a:r>
+            <a:r>
+              <a:rPr lang="en-US" altLang="zh-TW" dirty="0" smtClean="0"/>
+              <a:t>$callback();</a:t>
+            </a:r>
+          </a:p>
+          <a:p>
+            <a:pPr marL="0" indent="0">
+              <a:buNone/>
+            </a:pPr>
+            <a:r>
+              <a:rPr lang="en-US" altLang="zh-TW" dirty="0" smtClean="0"/>
+              <a:t>}</a:t>
+            </a:r>
+          </a:p>
+          <a:p>
+            <a:pPr marL="0" indent="0">
+              <a:buNone/>
+            </a:pPr>
+            <a:r>
+              <a:rPr lang="en-US" altLang="zh-TW" dirty="0"/>
+              <a:t>f</a:t>
+            </a:r>
+            <a:r>
+              <a:rPr lang="en-US" altLang="zh-TW" dirty="0" smtClean="0"/>
+              <a:t>unction </a:t>
+            </a:r>
+            <a:r>
+              <a:rPr lang="en-US" altLang="zh-TW" dirty="0" err="1" smtClean="0"/>
+              <a:t>cb</a:t>
+            </a:r>
+            <a:r>
+              <a:rPr lang="en-US" altLang="zh-TW" dirty="0" smtClean="0"/>
+              <a:t>(){</a:t>
+            </a:r>
+          </a:p>
+          <a:p>
+            <a:pPr marL="0" indent="0">
+              <a:buNone/>
+            </a:pPr>
+            <a:r>
+              <a:rPr lang="en-US" altLang="zh-TW" dirty="0"/>
+              <a:t>	</a:t>
+            </a:r>
+            <a:r>
+              <a:rPr lang="en-US" altLang="zh-TW" dirty="0" smtClean="0"/>
+              <a:t>echo ‘123’;</a:t>
+            </a:r>
+          </a:p>
+          <a:p>
+            <a:pPr marL="0" indent="0">
+              <a:buNone/>
+            </a:pPr>
+            <a:r>
+              <a:rPr lang="en-US" altLang="zh-TW" dirty="0" smtClean="0"/>
+              <a:t>}</a:t>
+            </a:r>
+          </a:p>
+          <a:p>
+            <a:pPr marL="0" indent="0">
+              <a:buNone/>
+            </a:pPr>
+            <a:endParaRPr lang="en-US" altLang="zh-TW" dirty="0" smtClean="0"/>
+          </a:p>
+          <a:p>
+            <a:pPr marL="0" indent="0">
+              <a:buNone/>
+            </a:pPr>
+            <a:r>
+              <a:rPr lang="en-US" altLang="zh-TW" dirty="0" smtClean="0"/>
+              <a:t>Class Test{</a:t>
+            </a:r>
+          </a:p>
+          <a:p>
+            <a:pPr marL="0" indent="0">
+              <a:buNone/>
+            </a:pPr>
+            <a:r>
+              <a:rPr lang="en-US" altLang="zh-TW" dirty="0" smtClean="0"/>
+              <a:t>	public function test(){</a:t>
+            </a:r>
+          </a:p>
+          <a:p>
+            <a:pPr marL="0" indent="0">
+              <a:buNone/>
+            </a:pPr>
+            <a:r>
+              <a:rPr lang="en-US" altLang="zh-TW" dirty="0" smtClean="0"/>
+              <a:t>		echo ‘123fromtest’;</a:t>
+            </a:r>
+          </a:p>
+          <a:p>
+            <a:pPr marL="0" indent="0">
+              <a:buNone/>
+            </a:pPr>
+            <a:r>
+              <a:rPr lang="en-US" altLang="zh-TW" dirty="0"/>
+              <a:t>	</a:t>
+            </a:r>
+            <a:r>
+              <a:rPr lang="en-US" altLang="zh-TW" dirty="0" smtClean="0"/>
+              <a:t>}</a:t>
+            </a:r>
+            <a:endParaRPr lang="en-US" altLang="zh-TW" dirty="0"/>
+          </a:p>
+          <a:p>
+            <a:pPr marL="0" indent="0">
+              <a:buNone/>
+            </a:pPr>
+            <a:r>
+              <a:rPr lang="en-US" altLang="zh-TW" dirty="0" smtClean="0"/>
+              <a:t>}</a:t>
+            </a:r>
+          </a:p>
+          <a:p>
+            <a:pPr marL="0" indent="0">
+              <a:buNone/>
+            </a:pPr>
+            <a:r>
+              <a:rPr lang="en-US" altLang="zh-TW" dirty="0" err="1" smtClean="0"/>
+              <a:t>testCallable</a:t>
+            </a:r>
+            <a:r>
+              <a:rPr lang="en-US" altLang="zh-TW" dirty="0" smtClean="0"/>
+              <a:t>(‘</a:t>
+            </a:r>
+            <a:r>
+              <a:rPr lang="en-US" altLang="zh-TW" dirty="0" err="1" smtClean="0"/>
+              <a:t>cb</a:t>
+            </a:r>
+            <a:r>
+              <a:rPr lang="en-US" altLang="zh-TW" dirty="0" smtClean="0"/>
+              <a:t>’);//</a:t>
+            </a:r>
+            <a:r>
+              <a:rPr lang="zh-TW" altLang="en-US" dirty="0" smtClean="0"/>
+              <a:t>正常執行</a:t>
+            </a:r>
+            <a:endParaRPr lang="en-US" altLang="zh-TW" dirty="0" smtClean="0"/>
+          </a:p>
+          <a:p>
+            <a:pPr marL="0" indent="0">
+              <a:buNone/>
+            </a:pPr>
+            <a:r>
+              <a:rPr lang="en-US" altLang="zh-TW" dirty="0" err="1" smtClean="0"/>
+              <a:t>testCallable</a:t>
+            </a:r>
+            <a:r>
+              <a:rPr lang="en-US" altLang="zh-TW" dirty="0" smtClean="0"/>
+              <a:t>(array(new Test(),test()));//</a:t>
+            </a:r>
+            <a:r>
+              <a:rPr lang="zh-TW" altLang="en-US" dirty="0" smtClean="0"/>
+              <a:t>正常執行，</a:t>
+            </a:r>
+            <a:r>
+              <a:rPr lang="en-US" altLang="zh-TW" dirty="0" smtClean="0"/>
+              <a:t>PHP</a:t>
+            </a:r>
+            <a:r>
+              <a:rPr lang="zh-TW" altLang="en-US" dirty="0" smtClean="0"/>
+              <a:t>也接受這種格式傳遞物件方法</a:t>
+            </a:r>
+            <a:endParaRPr lang="en-US" altLang="zh-TW" dirty="0" smtClean="0"/>
+          </a:p>
+          <a:p>
+            <a:pPr marL="0" indent="0">
+              <a:buNone/>
+            </a:pPr>
+            <a:r>
+              <a:rPr lang="en-US" altLang="zh-TW" dirty="0" err="1" smtClean="0"/>
+              <a:t>testCallable</a:t>
+            </a:r>
+            <a:r>
+              <a:rPr lang="en-US" altLang="zh-TW" dirty="0" smtClean="0"/>
+              <a:t>(123);//</a:t>
+            </a:r>
+            <a:r>
+              <a:rPr lang="zh-TW" altLang="en-US" dirty="0" smtClean="0"/>
+              <a:t>提示型別錯誤</a:t>
+            </a:r>
+            <a:endParaRPr lang="en-US" altLang="zh-TW" dirty="0"/>
+          </a:p>
+          <a:p>
+            <a:pPr marL="0" indent="0">
+              <a:buNone/>
+            </a:pPr>
+            <a:endParaRPr lang="zh-TW" altLang="en-US" dirty="0"/>
+          </a:p>
+        </p:txBody>
+      </p:sp>
+    </p:spTree>
+    <p:extLst>
+      <p:ext uri="{BB962C8B-B14F-4D97-AF65-F5344CB8AC3E}">
+        <p14:creationId xmlns:p14="http://schemas.microsoft.com/office/powerpoint/2010/main" val="822501487"/>
+      </p:ext>
+    </p:extLst>
+  </p:cSld>
+  <p:clrMapOvr>
+    <a:masterClrMapping/>
+  </p:clrMapOvr>
 </p:sld>
 </file>
 
